--- a/Documents/Introspection.pptx
+++ b/Documents/Introspection.pptx
@@ -13,13 +13,14 @@
     <p:sldId id="261" r:id="rId7"/>
     <p:sldId id="262" r:id="rId8"/>
     <p:sldId id="263" r:id="rId9"/>
-    <p:sldId id="264" r:id="rId10"/>
-    <p:sldId id="265" r:id="rId11"/>
-    <p:sldId id="266" r:id="rId12"/>
-    <p:sldId id="267" r:id="rId13"/>
-    <p:sldId id="268" r:id="rId14"/>
-    <p:sldId id="269" r:id="rId15"/>
-    <p:sldId id="270" r:id="rId16"/>
+    <p:sldId id="271" r:id="rId10"/>
+    <p:sldId id="264" r:id="rId11"/>
+    <p:sldId id="265" r:id="rId12"/>
+    <p:sldId id="266" r:id="rId13"/>
+    <p:sldId id="267" r:id="rId14"/>
+    <p:sldId id="268" r:id="rId15"/>
+    <p:sldId id="269" r:id="rId16"/>
+    <p:sldId id="270" r:id="rId17"/>
   </p:sldIdLst>
   <p:sldSz cx="9144000" cy="6858000" type="screen4x3"/>
   <p:notesSz cx="6858000" cy="9144000"/>
@@ -374,7 +375,7 @@
           <a:p>
             <a:fld id="{63183CE3-6588-4EBB-A848-BDCFD1319E99}" type="datetimeFigureOut">
               <a:rPr lang="en-US" smtClean="0"/>
-              <a:t>7/8/2014</a:t>
+              <a:t>7/11/2014</a:t>
             </a:fld>
             <a:endParaRPr lang="en-US"/>
           </a:p>
@@ -587,7 +588,7 @@
           <a:p>
             <a:fld id="{63183CE3-6588-4EBB-A848-BDCFD1319E99}" type="datetimeFigureOut">
               <a:rPr lang="en-US" smtClean="0"/>
-              <a:t>7/8/2014</a:t>
+              <a:t>7/11/2014</a:t>
             </a:fld>
             <a:endParaRPr lang="en-US"/>
           </a:p>
@@ -854,7 +855,7 @@
           <a:p>
             <a:fld id="{63183CE3-6588-4EBB-A848-BDCFD1319E99}" type="datetimeFigureOut">
               <a:rPr lang="en-US" smtClean="0"/>
-              <a:t>7/8/2014</a:t>
+              <a:t>7/11/2014</a:t>
             </a:fld>
             <a:endParaRPr lang="en-US"/>
           </a:p>
@@ -1004,7 +1005,7 @@
           <a:p>
             <a:fld id="{63183CE3-6588-4EBB-A848-BDCFD1319E99}" type="datetimeFigureOut">
               <a:rPr lang="en-US" smtClean="0"/>
-              <a:t>7/8/2014</a:t>
+              <a:t>7/11/2014</a:t>
             </a:fld>
             <a:endParaRPr lang="en-US"/>
           </a:p>
@@ -1334,7 +1335,7 @@
           <a:p>
             <a:fld id="{63183CE3-6588-4EBB-A848-BDCFD1319E99}" type="datetimeFigureOut">
               <a:rPr lang="en-US" smtClean="0"/>
-              <a:t>7/8/2014</a:t>
+              <a:t>7/11/2014</a:t>
             </a:fld>
             <a:endParaRPr lang="en-US"/>
           </a:p>
@@ -1642,7 +1643,7 @@
           <a:p>
             <a:fld id="{63183CE3-6588-4EBB-A848-BDCFD1319E99}" type="datetimeFigureOut">
               <a:rPr lang="en-US" smtClean="0"/>
-              <a:t>7/8/2014</a:t>
+              <a:t>7/11/2014</a:t>
             </a:fld>
             <a:endParaRPr lang="en-US"/>
           </a:p>
@@ -2063,7 +2064,7 @@
           <a:p>
             <a:fld id="{63183CE3-6588-4EBB-A848-BDCFD1319E99}" type="datetimeFigureOut">
               <a:rPr lang="en-US" smtClean="0"/>
-              <a:t>7/8/2014</a:t>
+              <a:t>7/11/2014</a:t>
             </a:fld>
             <a:endParaRPr lang="en-US"/>
           </a:p>
@@ -2176,7 +2177,7 @@
           <a:p>
             <a:fld id="{63183CE3-6588-4EBB-A848-BDCFD1319E99}" type="datetimeFigureOut">
               <a:rPr lang="en-US" smtClean="0"/>
-              <a:t>7/8/2014</a:t>
+              <a:t>7/11/2014</a:t>
             </a:fld>
             <a:endParaRPr lang="en-US"/>
           </a:p>
@@ -2335,7 +2336,7 @@
           <a:p>
             <a:fld id="{63183CE3-6588-4EBB-A848-BDCFD1319E99}" type="datetimeFigureOut">
               <a:rPr lang="en-US" smtClean="0"/>
-              <a:t>7/8/2014</a:t>
+              <a:t>7/11/2014</a:t>
             </a:fld>
             <a:endParaRPr lang="en-US"/>
           </a:p>
@@ -2719,7 +2720,7 @@
           <a:p>
             <a:fld id="{63183CE3-6588-4EBB-A848-BDCFD1319E99}" type="datetimeFigureOut">
               <a:rPr lang="en-US" smtClean="0"/>
-              <a:t>7/8/2014</a:t>
+              <a:t>7/11/2014</a:t>
             </a:fld>
             <a:endParaRPr lang="en-US"/>
           </a:p>
@@ -3081,7 +3082,7 @@
           <a:p>
             <a:fld id="{63183CE3-6588-4EBB-A848-BDCFD1319E99}" type="datetimeFigureOut">
               <a:rPr lang="en-US" smtClean="0"/>
-              <a:t>7/8/2014</a:t>
+              <a:t>7/11/2014</a:t>
             </a:fld>
             <a:endParaRPr lang="en-US"/>
           </a:p>
@@ -3415,7 +3416,7 @@
           <a:p>
             <a:fld id="{63183CE3-6588-4EBB-A848-BDCFD1319E99}" type="datetimeFigureOut">
               <a:rPr lang="en-US" smtClean="0"/>
-              <a:t>7/8/2014</a:t>
+              <a:t>7/11/2014</a:t>
             </a:fld>
             <a:endParaRPr lang="en-US"/>
           </a:p>
@@ -3918,126 +3919,6 @@
       </p:grpSpPr>
       <p:sp>
         <p:nvSpPr>
-          <p:cNvPr id="2" name="Content Placeholder 1"/>
-          <p:cNvSpPr>
-            <a:spLocks noGrp="1"/>
-          </p:cNvSpPr>
-          <p:nvPr>
-            <p:ph idx="1"/>
-          </p:nvPr>
-        </p:nvSpPr>
-        <p:spPr/>
-        <p:txBody>
-          <a:bodyPr/>
-          <a:lstStyle/>
-          <a:p>
-            <a:r>
-              <a:rPr lang="en-US" dirty="0" smtClean="0"/>
-              <a:t>Not a whole bunch of actual usage but we have the framework</a:t>
-            </a:r>
-          </a:p>
-          <a:p>
-            <a:r>
-              <a:rPr lang="en-US" dirty="0" smtClean="0"/>
-              <a:t>What next?</a:t>
-            </a:r>
-          </a:p>
-          <a:p>
-            <a:pPr lvl="1"/>
-            <a:r>
-              <a:rPr lang="en-US" dirty="0" smtClean="0"/>
-              <a:t>Constructors for </a:t>
-            </a:r>
-            <a:r>
-              <a:rPr lang="en-US" dirty="0" smtClean="0">
-                <a:solidFill>
-                  <a:srgbClr val="FF0000"/>
-                </a:solidFill>
-              </a:rPr>
-              <a:t>Variable</a:t>
-            </a:r>
-          </a:p>
-          <a:p>
-            <a:pPr lvl="2"/>
-            <a:r>
-              <a:rPr lang="en-US" dirty="0" smtClean="0"/>
-              <a:t>Copy constructor</a:t>
-            </a:r>
-          </a:p>
-          <a:p>
-            <a:pPr lvl="2"/>
-            <a:r>
-              <a:rPr lang="en-US" dirty="0" smtClean="0"/>
-              <a:t>Conversion constructor (actual data -&gt; variable)</a:t>
-            </a:r>
-          </a:p>
-          <a:p>
-            <a:pPr lvl="2"/>
-            <a:r>
-              <a:rPr lang="en-US" dirty="0" smtClean="0"/>
-              <a:t>Non-Default constructor (</a:t>
-            </a:r>
-            <a:r>
-              <a:rPr lang="en-US" dirty="0" err="1" smtClean="0">
-                <a:solidFill>
-                  <a:srgbClr val="00B0F0"/>
-                </a:solidFill>
-              </a:rPr>
-              <a:t>TypeInfo</a:t>
-            </a:r>
-            <a:r>
-              <a:rPr lang="en-US" dirty="0" smtClean="0"/>
-              <a:t>, memory address)</a:t>
-            </a:r>
-          </a:p>
-          <a:p>
-            <a:pPr lvl="1"/>
-            <a:r>
-              <a:rPr lang="en-US" dirty="0" smtClean="0"/>
-              <a:t>Helper Functions</a:t>
-            </a:r>
-          </a:p>
-          <a:p>
-            <a:pPr lvl="2"/>
-            <a:r>
-              <a:rPr lang="en-US" dirty="0" err="1" smtClean="0"/>
-              <a:t>GetData</a:t>
-            </a:r>
-            <a:r>
-              <a:rPr lang="en-US" dirty="0" smtClean="0"/>
-              <a:t>() – Returns data pointer</a:t>
-            </a:r>
-          </a:p>
-          <a:p>
-            <a:pPr lvl="2"/>
-            <a:r>
-              <a:rPr lang="en-US" dirty="0" err="1" smtClean="0"/>
-              <a:t>GetValue</a:t>
-            </a:r>
-            <a:r>
-              <a:rPr lang="en-US" dirty="0" smtClean="0"/>
-              <a:t>&lt;T&gt;() – Returns data casted as type T</a:t>
-            </a:r>
-          </a:p>
-          <a:p>
-            <a:pPr lvl="1"/>
-            <a:r>
-              <a:rPr lang="en-US" dirty="0" smtClean="0"/>
-              <a:t>Abstract members to private, add interfaces</a:t>
-            </a:r>
-          </a:p>
-          <a:p>
-            <a:pPr lvl="1"/>
-            <a:r>
-              <a:rPr lang="en-US" dirty="0" smtClean="0"/>
-              <a:t>Ability to serialize?</a:t>
-            </a:r>
-            <a:endParaRPr lang="en-US" dirty="0"/>
-          </a:p>
-        </p:txBody>
-      </p:sp>
-      <p:sp>
-        <p:nvSpPr>
           <p:cNvPr id="3" name="Title 2"/>
           <p:cNvSpPr>
             <a:spLocks noGrp="1"/>
@@ -4053,16 +3934,1205 @@
           <a:p>
             <a:r>
               <a:rPr lang="en-US" dirty="0" smtClean="0"/>
-              <a:t>Where are we at now?</a:t>
+              <a:t>Recap</a:t>
             </a:r>
             <a:endParaRPr lang="en-US" dirty="0"/>
+          </a:p>
+        </p:txBody>
+      </p:sp>
+      <p:sp>
+        <p:nvSpPr>
+          <p:cNvPr id="4" name="TextBox 3"/>
+          <p:cNvSpPr txBox="1"/>
+          <p:nvPr/>
+        </p:nvSpPr>
+        <p:spPr>
+          <a:xfrm>
+            <a:off x="4114800" y="1667774"/>
+            <a:ext cx="4724400" cy="3631763"/>
+          </a:xfrm>
+          <a:prstGeom prst="rect">
+            <a:avLst/>
+          </a:prstGeom>
+          <a:noFill/>
+        </p:spPr>
+        <p:txBody>
+          <a:bodyPr wrap="square" rtlCol="0">
+            <a:spAutoFit/>
+          </a:bodyPr>
+          <a:lstStyle/>
+          <a:p>
+            <a:r>
+              <a:rPr lang="en-US" dirty="0" err="1" smtClean="0">
+                <a:solidFill>
+                  <a:schemeClr val="accent6">
+                    <a:lumMod val="50000"/>
+                  </a:schemeClr>
+                </a:solidFill>
+              </a:rPr>
+              <a:t>const</a:t>
+            </a:r>
+            <a:r>
+              <a:rPr lang="en-US" dirty="0" smtClean="0">
+                <a:solidFill>
+                  <a:schemeClr val="accent6">
+                    <a:lumMod val="50000"/>
+                  </a:schemeClr>
+                </a:solidFill>
+              </a:rPr>
+              <a:t> </a:t>
+            </a:r>
+            <a:r>
+              <a:rPr lang="en-US" dirty="0" err="1" smtClean="0">
+                <a:solidFill>
+                  <a:srgbClr val="00B0F0"/>
+                </a:solidFill>
+              </a:rPr>
+              <a:t>TypeInfo</a:t>
+            </a:r>
+            <a:r>
+              <a:rPr lang="en-US" dirty="0" smtClean="0">
+                <a:solidFill>
+                  <a:srgbClr val="00B0F0"/>
+                </a:solidFill>
+              </a:rPr>
+              <a:t>*</a:t>
+            </a:r>
+            <a:r>
+              <a:rPr lang="en-US" dirty="0" smtClean="0">
+                <a:solidFill>
+                  <a:schemeClr val="accent6">
+                    <a:lumMod val="50000"/>
+                  </a:schemeClr>
+                </a:solidFill>
+              </a:rPr>
+              <a:t> </a:t>
+            </a:r>
+            <a:r>
+              <a:rPr lang="en-US" dirty="0" smtClean="0">
+                <a:solidFill>
+                  <a:srgbClr val="00B0F0"/>
+                </a:solidFill>
+              </a:rPr>
+              <a:t>type</a:t>
+            </a:r>
+            <a:r>
+              <a:rPr lang="en-US" dirty="0" smtClean="0">
+                <a:solidFill>
+                  <a:schemeClr val="accent6">
+                    <a:lumMod val="50000"/>
+                  </a:schemeClr>
+                </a:solidFill>
+              </a:rPr>
+              <a:t> = GET_TYPE(Bar);</a:t>
+            </a:r>
+          </a:p>
+          <a:p>
+            <a:endParaRPr lang="en-US" dirty="0" smtClean="0">
+              <a:solidFill>
+                <a:schemeClr val="accent6">
+                  <a:lumMod val="50000"/>
+                </a:schemeClr>
+              </a:solidFill>
+            </a:endParaRPr>
+          </a:p>
+          <a:p>
+            <a:r>
+              <a:rPr lang="en-US" dirty="0" err="1" smtClean="0">
+                <a:solidFill>
+                  <a:schemeClr val="accent6">
+                    <a:lumMod val="50000"/>
+                  </a:schemeClr>
+                </a:solidFill>
+              </a:rPr>
+              <a:t>std</a:t>
+            </a:r>
+            <a:r>
+              <a:rPr lang="en-US" dirty="0" smtClean="0">
+                <a:solidFill>
+                  <a:schemeClr val="accent6">
+                    <a:lumMod val="50000"/>
+                  </a:schemeClr>
+                </a:solidFill>
+              </a:rPr>
+              <a:t>::</a:t>
+            </a:r>
+            <a:r>
+              <a:rPr lang="en-US" dirty="0" err="1" smtClean="0">
+                <a:solidFill>
+                  <a:schemeClr val="accent6">
+                    <a:lumMod val="50000"/>
+                  </a:schemeClr>
+                </a:solidFill>
+              </a:rPr>
+              <a:t>cout</a:t>
+            </a:r>
+            <a:r>
+              <a:rPr lang="en-US" dirty="0" smtClean="0">
+                <a:solidFill>
+                  <a:schemeClr val="accent6">
+                    <a:lumMod val="50000"/>
+                  </a:schemeClr>
+                </a:solidFill>
+              </a:rPr>
+              <a:t> &lt;&lt; </a:t>
+            </a:r>
+            <a:r>
+              <a:rPr lang="en-US" dirty="0" smtClean="0">
+                <a:solidFill>
+                  <a:srgbClr val="00B0F0"/>
+                </a:solidFill>
+              </a:rPr>
+              <a:t>type</a:t>
+            </a:r>
+            <a:r>
+              <a:rPr lang="en-US" dirty="0" smtClean="0">
+                <a:solidFill>
+                  <a:schemeClr val="accent6">
+                    <a:lumMod val="50000"/>
+                  </a:schemeClr>
+                </a:solidFill>
+              </a:rPr>
+              <a:t>-&gt;</a:t>
+            </a:r>
+            <a:r>
+              <a:rPr lang="en-US" dirty="0" err="1" smtClean="0">
+                <a:solidFill>
+                  <a:schemeClr val="accent6">
+                    <a:lumMod val="50000"/>
+                  </a:schemeClr>
+                </a:solidFill>
+              </a:rPr>
+              <a:t>m_members</a:t>
+            </a:r>
+            <a:r>
+              <a:rPr lang="en-US" dirty="0" smtClean="0">
+                <a:solidFill>
+                  <a:schemeClr val="accent6">
+                    <a:lumMod val="50000"/>
+                  </a:schemeClr>
+                </a:solidFill>
+              </a:rPr>
+              <a:t>[0].</a:t>
+            </a:r>
+            <a:r>
+              <a:rPr lang="en-US" dirty="0" err="1" smtClean="0">
+                <a:solidFill>
+                  <a:schemeClr val="accent6">
+                    <a:lumMod val="50000"/>
+                  </a:schemeClr>
+                </a:solidFill>
+              </a:rPr>
+              <a:t>m_name</a:t>
+            </a:r>
+            <a:r>
+              <a:rPr lang="en-US" dirty="0" smtClean="0">
+                <a:solidFill>
+                  <a:schemeClr val="accent6">
+                    <a:lumMod val="50000"/>
+                  </a:schemeClr>
+                </a:solidFill>
+              </a:rPr>
+              <a:t>;</a:t>
+            </a:r>
+          </a:p>
+          <a:p>
+            <a:r>
+              <a:rPr lang="en-US" dirty="0" smtClean="0">
+                <a:solidFill>
+                  <a:schemeClr val="accent6">
+                    <a:lumMod val="50000"/>
+                  </a:schemeClr>
+                </a:solidFill>
+              </a:rPr>
+              <a:t>// foo</a:t>
+            </a:r>
+          </a:p>
+          <a:p>
+            <a:endParaRPr lang="en-US" dirty="0">
+              <a:solidFill>
+                <a:schemeClr val="accent6">
+                  <a:lumMod val="50000"/>
+                </a:schemeClr>
+              </a:solidFill>
+            </a:endParaRPr>
+          </a:p>
+          <a:p>
+            <a:r>
+              <a:rPr lang="en-US" dirty="0" err="1" smtClean="0">
+                <a:solidFill>
+                  <a:schemeClr val="accent6">
+                    <a:lumMod val="50000"/>
+                  </a:schemeClr>
+                </a:solidFill>
+              </a:rPr>
+              <a:t>std</a:t>
+            </a:r>
+            <a:r>
+              <a:rPr lang="en-US" dirty="0" smtClean="0">
+                <a:solidFill>
+                  <a:schemeClr val="accent6">
+                    <a:lumMod val="50000"/>
+                  </a:schemeClr>
+                </a:solidFill>
+              </a:rPr>
+              <a:t>::</a:t>
+            </a:r>
+            <a:r>
+              <a:rPr lang="en-US" dirty="0" err="1" smtClean="0">
+                <a:solidFill>
+                  <a:schemeClr val="accent6">
+                    <a:lumMod val="50000"/>
+                  </a:schemeClr>
+                </a:solidFill>
+              </a:rPr>
+              <a:t>cout</a:t>
+            </a:r>
+            <a:r>
+              <a:rPr lang="en-US" dirty="0" smtClean="0">
+                <a:solidFill>
+                  <a:schemeClr val="accent6">
+                    <a:lumMod val="50000"/>
+                  </a:schemeClr>
+                </a:solidFill>
+              </a:rPr>
+              <a:t> &lt;&lt; </a:t>
+            </a:r>
+            <a:r>
+              <a:rPr lang="en-US" dirty="0" smtClean="0">
+                <a:solidFill>
+                  <a:srgbClr val="00B0F0"/>
+                </a:solidFill>
+              </a:rPr>
+              <a:t>type</a:t>
+            </a:r>
+            <a:r>
+              <a:rPr lang="en-US" dirty="0" smtClean="0">
+                <a:solidFill>
+                  <a:schemeClr val="accent6">
+                    <a:lumMod val="50000"/>
+                  </a:schemeClr>
+                </a:solidFill>
+              </a:rPr>
+              <a:t>-&gt;</a:t>
+            </a:r>
+            <a:r>
+              <a:rPr lang="en-US" dirty="0" err="1" smtClean="0">
+                <a:solidFill>
+                  <a:schemeClr val="accent6">
+                    <a:lumMod val="50000"/>
+                  </a:schemeClr>
+                </a:solidFill>
+              </a:rPr>
+              <a:t>m_members</a:t>
+            </a:r>
+            <a:r>
+              <a:rPr lang="en-US" dirty="0" smtClean="0">
+                <a:solidFill>
+                  <a:schemeClr val="accent6">
+                    <a:lumMod val="50000"/>
+                  </a:schemeClr>
+                </a:solidFill>
+              </a:rPr>
+              <a:t>[1].</a:t>
+            </a:r>
+            <a:r>
+              <a:rPr lang="en-US" dirty="0" err="1" smtClean="0">
+                <a:solidFill>
+                  <a:schemeClr val="accent6">
+                    <a:lumMod val="50000"/>
+                  </a:schemeClr>
+                </a:solidFill>
+              </a:rPr>
+              <a:t>m_offset</a:t>
+            </a:r>
+            <a:r>
+              <a:rPr lang="en-US" dirty="0" smtClean="0">
+                <a:solidFill>
+                  <a:schemeClr val="accent6">
+                    <a:lumMod val="50000"/>
+                  </a:schemeClr>
+                </a:solidFill>
+              </a:rPr>
+              <a:t>;</a:t>
+            </a:r>
+          </a:p>
+          <a:p>
+            <a:r>
+              <a:rPr lang="en-US" dirty="0" smtClean="0">
+                <a:solidFill>
+                  <a:schemeClr val="accent6">
+                    <a:lumMod val="50000"/>
+                  </a:schemeClr>
+                </a:solidFill>
+              </a:rPr>
+              <a:t>// 4</a:t>
+            </a:r>
+          </a:p>
+          <a:p>
+            <a:endParaRPr lang="en-US" dirty="0">
+              <a:solidFill>
+                <a:schemeClr val="accent6">
+                  <a:lumMod val="50000"/>
+                </a:schemeClr>
+              </a:solidFill>
+            </a:endParaRPr>
+          </a:p>
+          <a:p>
+            <a:r>
+              <a:rPr lang="en-US" sz="1400" dirty="0" err="1" smtClean="0">
+                <a:solidFill>
+                  <a:schemeClr val="accent6">
+                    <a:lumMod val="50000"/>
+                  </a:schemeClr>
+                </a:solidFill>
+              </a:rPr>
+              <a:t>std</a:t>
+            </a:r>
+            <a:r>
+              <a:rPr lang="en-US" sz="1400" dirty="0" smtClean="0">
+                <a:solidFill>
+                  <a:schemeClr val="accent6">
+                    <a:lumMod val="50000"/>
+                  </a:schemeClr>
+                </a:solidFill>
+              </a:rPr>
+              <a:t>::</a:t>
+            </a:r>
+            <a:r>
+              <a:rPr lang="en-US" sz="1400" dirty="0" err="1" smtClean="0">
+                <a:solidFill>
+                  <a:schemeClr val="accent6">
+                    <a:lumMod val="50000"/>
+                  </a:schemeClr>
+                </a:solidFill>
+              </a:rPr>
+              <a:t>cout</a:t>
+            </a:r>
+            <a:r>
+              <a:rPr lang="en-US" sz="1400" dirty="0" smtClean="0">
+                <a:solidFill>
+                  <a:schemeClr val="accent6">
+                    <a:lumMod val="50000"/>
+                  </a:schemeClr>
+                </a:solidFill>
+              </a:rPr>
+              <a:t> &lt;&lt; </a:t>
+            </a:r>
+            <a:r>
+              <a:rPr lang="en-US" sz="1400" dirty="0" smtClean="0">
+                <a:solidFill>
+                  <a:srgbClr val="00B0F0"/>
+                </a:solidFill>
+              </a:rPr>
+              <a:t>type</a:t>
+            </a:r>
+            <a:r>
+              <a:rPr lang="en-US" sz="1400" dirty="0" smtClean="0">
+                <a:solidFill>
+                  <a:schemeClr val="accent6">
+                    <a:lumMod val="50000"/>
+                  </a:schemeClr>
+                </a:solidFill>
+              </a:rPr>
+              <a:t>-&gt;</a:t>
+            </a:r>
+            <a:r>
+              <a:rPr lang="en-US" sz="1400" dirty="0" err="1" smtClean="0">
+                <a:solidFill>
+                  <a:schemeClr val="accent6">
+                    <a:lumMod val="50000"/>
+                  </a:schemeClr>
+                </a:solidFill>
+              </a:rPr>
+              <a:t>m_members</a:t>
+            </a:r>
+            <a:r>
+              <a:rPr lang="en-US" sz="1400" dirty="0" smtClean="0">
+                <a:solidFill>
+                  <a:schemeClr val="accent6">
+                    <a:lumMod val="50000"/>
+                  </a:schemeClr>
+                </a:solidFill>
+              </a:rPr>
+              <a:t>[2].</a:t>
+            </a:r>
+            <a:r>
+              <a:rPr lang="en-US" sz="1400" dirty="0" err="1" smtClean="0">
+                <a:solidFill>
+                  <a:schemeClr val="accent6">
+                    <a:lumMod val="50000"/>
+                  </a:schemeClr>
+                </a:solidFill>
+              </a:rPr>
+              <a:t>m_type</a:t>
+            </a:r>
+            <a:r>
+              <a:rPr lang="en-US" sz="1400" dirty="0" smtClean="0">
+                <a:solidFill>
+                  <a:schemeClr val="accent6">
+                    <a:lumMod val="50000"/>
+                  </a:schemeClr>
+                </a:solidFill>
+              </a:rPr>
+              <a:t>-&gt;</a:t>
+            </a:r>
+            <a:r>
+              <a:rPr lang="en-US" sz="1400" dirty="0" err="1" smtClean="0">
+                <a:solidFill>
+                  <a:schemeClr val="accent6">
+                    <a:lumMod val="50000"/>
+                  </a:schemeClr>
+                </a:solidFill>
+              </a:rPr>
+              <a:t>m_name</a:t>
+            </a:r>
+            <a:endParaRPr lang="en-US" sz="1400" dirty="0" smtClean="0">
+              <a:solidFill>
+                <a:schemeClr val="accent6">
+                  <a:lumMod val="50000"/>
+                </a:schemeClr>
+              </a:solidFill>
+            </a:endParaRPr>
+          </a:p>
+          <a:p>
+            <a:r>
+              <a:rPr lang="en-US" dirty="0" smtClean="0">
+                <a:solidFill>
+                  <a:schemeClr val="accent6">
+                    <a:lumMod val="50000"/>
+                  </a:schemeClr>
+                </a:solidFill>
+              </a:rPr>
+              <a:t>// </a:t>
+            </a:r>
+            <a:r>
+              <a:rPr lang="en-US" dirty="0" err="1" smtClean="0">
+                <a:solidFill>
+                  <a:schemeClr val="accent6">
+                    <a:lumMod val="50000"/>
+                  </a:schemeClr>
+                </a:solidFill>
+              </a:rPr>
+              <a:t>int</a:t>
+            </a:r>
+            <a:endParaRPr lang="en-US" dirty="0" smtClean="0">
+              <a:solidFill>
+                <a:schemeClr val="accent6">
+                  <a:lumMod val="50000"/>
+                </a:schemeClr>
+              </a:solidFill>
+            </a:endParaRPr>
+          </a:p>
+          <a:p>
+            <a:endParaRPr lang="en-US" dirty="0">
+              <a:solidFill>
+                <a:schemeClr val="accent6">
+                  <a:lumMod val="50000"/>
+                </a:schemeClr>
+              </a:solidFill>
+            </a:endParaRPr>
+          </a:p>
+          <a:p>
+            <a:endParaRPr lang="en-US" dirty="0" smtClean="0">
+              <a:solidFill>
+                <a:schemeClr val="accent6">
+                  <a:lumMod val="50000"/>
+                </a:schemeClr>
+              </a:solidFill>
+            </a:endParaRPr>
+          </a:p>
+          <a:p>
+            <a:r>
+              <a:rPr lang="en-US" dirty="0" smtClean="0">
+                <a:solidFill>
+                  <a:schemeClr val="accent6">
+                    <a:lumMod val="50000"/>
+                  </a:schemeClr>
+                </a:solidFill>
+              </a:rPr>
+              <a:t> </a:t>
+            </a:r>
+            <a:endParaRPr lang="en-US" dirty="0">
+              <a:solidFill>
+                <a:schemeClr val="accent6">
+                  <a:lumMod val="50000"/>
+                </a:schemeClr>
+              </a:solidFill>
+            </a:endParaRPr>
+          </a:p>
+        </p:txBody>
+      </p:sp>
+      <p:sp>
+        <p:nvSpPr>
+          <p:cNvPr id="6" name="TextBox 5"/>
+          <p:cNvSpPr txBox="1"/>
+          <p:nvPr/>
+        </p:nvSpPr>
+        <p:spPr>
+          <a:xfrm>
+            <a:off x="152400" y="1676400"/>
+            <a:ext cx="4038600" cy="4524315"/>
+          </a:xfrm>
+          <a:prstGeom prst="rect">
+            <a:avLst/>
+          </a:prstGeom>
+          <a:noFill/>
+        </p:spPr>
+        <p:txBody>
+          <a:bodyPr wrap="square" rtlCol="0">
+            <a:spAutoFit/>
+          </a:bodyPr>
+          <a:lstStyle/>
+          <a:p>
+            <a:r>
+              <a:rPr lang="en-US" dirty="0" smtClean="0">
+                <a:solidFill>
+                  <a:schemeClr val="accent6">
+                    <a:lumMod val="50000"/>
+                  </a:schemeClr>
+                </a:solidFill>
+              </a:rPr>
+              <a:t>class </a:t>
+            </a:r>
+            <a:r>
+              <a:rPr lang="en-US" dirty="0" err="1" smtClean="0">
+                <a:solidFill>
+                  <a:srgbClr val="00B0F0"/>
+                </a:solidFill>
+              </a:rPr>
+              <a:t>TypeInfo</a:t>
+            </a:r>
+            <a:r>
+              <a:rPr lang="en-US" dirty="0" smtClean="0">
+                <a:solidFill>
+                  <a:srgbClr val="00B0F0"/>
+                </a:solidFill>
+              </a:rPr>
+              <a:t> </a:t>
+            </a:r>
+            <a:r>
+              <a:rPr lang="en-US" dirty="0" smtClean="0">
+                <a:solidFill>
+                  <a:schemeClr val="accent6">
+                    <a:lumMod val="50000"/>
+                  </a:schemeClr>
+                </a:solidFill>
+              </a:rPr>
+              <a:t>{</a:t>
+            </a:r>
+          </a:p>
+          <a:p>
+            <a:r>
+              <a:rPr lang="en-US" dirty="0" smtClean="0">
+                <a:solidFill>
+                  <a:schemeClr val="accent6">
+                    <a:lumMod val="50000"/>
+                  </a:schemeClr>
+                </a:solidFill>
+              </a:rPr>
+              <a:t>public:</a:t>
+            </a:r>
+          </a:p>
+          <a:p>
+            <a:r>
+              <a:rPr lang="en-US" dirty="0">
+                <a:solidFill>
+                  <a:schemeClr val="accent6">
+                    <a:lumMod val="50000"/>
+                  </a:schemeClr>
+                </a:solidFill>
+              </a:rPr>
+              <a:t> </a:t>
+            </a:r>
+            <a:r>
+              <a:rPr lang="en-US" dirty="0" smtClean="0">
+                <a:solidFill>
+                  <a:schemeClr val="accent6">
+                    <a:lumMod val="50000"/>
+                  </a:schemeClr>
+                </a:solidFill>
+              </a:rPr>
+              <a:t> unsigned </a:t>
+            </a:r>
+            <a:r>
+              <a:rPr lang="en-US" dirty="0" err="1" smtClean="0">
+                <a:solidFill>
+                  <a:schemeClr val="accent6">
+                    <a:lumMod val="50000"/>
+                  </a:schemeClr>
+                </a:solidFill>
+              </a:rPr>
+              <a:t>m_size</a:t>
+            </a:r>
+            <a:r>
+              <a:rPr lang="en-US" dirty="0" smtClean="0">
+                <a:solidFill>
+                  <a:schemeClr val="accent6">
+                    <a:lumMod val="50000"/>
+                  </a:schemeClr>
+                </a:solidFill>
+              </a:rPr>
+              <a:t>;</a:t>
+            </a:r>
+          </a:p>
+          <a:p>
+            <a:r>
+              <a:rPr lang="en-US" dirty="0">
+                <a:solidFill>
+                  <a:schemeClr val="accent6">
+                    <a:lumMod val="50000"/>
+                  </a:schemeClr>
+                </a:solidFill>
+              </a:rPr>
+              <a:t> </a:t>
+            </a:r>
+            <a:r>
+              <a:rPr lang="en-US" dirty="0" smtClean="0">
+                <a:solidFill>
+                  <a:schemeClr val="accent6">
+                    <a:lumMod val="50000"/>
+                  </a:schemeClr>
+                </a:solidFill>
+              </a:rPr>
+              <a:t> </a:t>
+            </a:r>
+            <a:r>
+              <a:rPr lang="en-US" dirty="0" err="1" smtClean="0">
+                <a:solidFill>
+                  <a:schemeClr val="accent6">
+                    <a:lumMod val="50000"/>
+                  </a:schemeClr>
+                </a:solidFill>
+              </a:rPr>
+              <a:t>std</a:t>
+            </a:r>
+            <a:r>
+              <a:rPr lang="en-US" dirty="0" smtClean="0">
+                <a:solidFill>
+                  <a:schemeClr val="accent6">
+                    <a:lumMod val="50000"/>
+                  </a:schemeClr>
+                </a:solidFill>
+              </a:rPr>
+              <a:t>::string </a:t>
+            </a:r>
+            <a:r>
+              <a:rPr lang="en-US" dirty="0" err="1" smtClean="0">
+                <a:solidFill>
+                  <a:schemeClr val="accent6">
+                    <a:lumMod val="50000"/>
+                  </a:schemeClr>
+                </a:solidFill>
+              </a:rPr>
+              <a:t>m_name</a:t>
+            </a:r>
+            <a:r>
+              <a:rPr lang="en-US" dirty="0" smtClean="0">
+                <a:solidFill>
+                  <a:schemeClr val="accent6">
+                    <a:lumMod val="50000"/>
+                  </a:schemeClr>
+                </a:solidFill>
+              </a:rPr>
+              <a:t>;</a:t>
+            </a:r>
+          </a:p>
+          <a:p>
+            <a:r>
+              <a:rPr lang="en-US" dirty="0">
+                <a:solidFill>
+                  <a:schemeClr val="accent6">
+                    <a:lumMod val="50000"/>
+                  </a:schemeClr>
+                </a:solidFill>
+              </a:rPr>
+              <a:t> </a:t>
+            </a:r>
+            <a:r>
+              <a:rPr lang="en-US" dirty="0" smtClean="0">
+                <a:solidFill>
+                  <a:schemeClr val="accent6">
+                    <a:lumMod val="50000"/>
+                  </a:schemeClr>
+                </a:solidFill>
+              </a:rPr>
+              <a:t> </a:t>
+            </a:r>
+            <a:r>
+              <a:rPr lang="en-US" dirty="0" err="1" smtClean="0">
+                <a:solidFill>
+                  <a:schemeClr val="accent6">
+                    <a:lumMod val="50000"/>
+                  </a:schemeClr>
+                </a:solidFill>
+              </a:rPr>
+              <a:t>std</a:t>
+            </a:r>
+            <a:r>
+              <a:rPr lang="en-US" dirty="0" smtClean="0">
+                <a:solidFill>
+                  <a:schemeClr val="accent6">
+                    <a:lumMod val="50000"/>
+                  </a:schemeClr>
+                </a:solidFill>
+              </a:rPr>
+              <a:t>::vector&lt;</a:t>
+            </a:r>
+            <a:r>
+              <a:rPr lang="en-US" dirty="0" smtClean="0">
+                <a:solidFill>
+                  <a:srgbClr val="00B050"/>
+                </a:solidFill>
+              </a:rPr>
+              <a:t>Member</a:t>
+            </a:r>
+            <a:r>
+              <a:rPr lang="en-US" dirty="0" smtClean="0">
+                <a:solidFill>
+                  <a:schemeClr val="accent6">
+                    <a:lumMod val="50000"/>
+                  </a:schemeClr>
+                </a:solidFill>
+              </a:rPr>
+              <a:t>&gt; </a:t>
+            </a:r>
+            <a:r>
+              <a:rPr lang="en-US" dirty="0" err="1" smtClean="0">
+                <a:solidFill>
+                  <a:schemeClr val="accent6">
+                    <a:lumMod val="50000"/>
+                  </a:schemeClr>
+                </a:solidFill>
+              </a:rPr>
+              <a:t>m_members</a:t>
+            </a:r>
+            <a:r>
+              <a:rPr lang="en-US" dirty="0" smtClean="0">
+                <a:solidFill>
+                  <a:schemeClr val="accent6">
+                    <a:lumMod val="50000"/>
+                  </a:schemeClr>
+                </a:solidFill>
+              </a:rPr>
+              <a:t>; }</a:t>
+            </a:r>
+          </a:p>
+          <a:p>
+            <a:endParaRPr lang="en-US" dirty="0">
+              <a:solidFill>
+                <a:schemeClr val="accent6">
+                  <a:lumMod val="50000"/>
+                </a:schemeClr>
+              </a:solidFill>
+            </a:endParaRPr>
+          </a:p>
+          <a:p>
+            <a:r>
+              <a:rPr lang="en-US" dirty="0" smtClean="0">
+                <a:solidFill>
+                  <a:schemeClr val="accent6">
+                    <a:lumMod val="50000"/>
+                  </a:schemeClr>
+                </a:solidFill>
+              </a:rPr>
+              <a:t>class </a:t>
+            </a:r>
+            <a:r>
+              <a:rPr lang="en-US" dirty="0" smtClean="0">
+                <a:solidFill>
+                  <a:srgbClr val="FF0000"/>
+                </a:solidFill>
+              </a:rPr>
+              <a:t>Variable </a:t>
+            </a:r>
+            <a:r>
+              <a:rPr lang="en-US" dirty="0" smtClean="0">
+                <a:solidFill>
+                  <a:schemeClr val="accent6">
+                    <a:lumMod val="50000"/>
+                  </a:schemeClr>
+                </a:solidFill>
+              </a:rPr>
+              <a:t>{</a:t>
+            </a:r>
+          </a:p>
+          <a:p>
+            <a:r>
+              <a:rPr lang="en-US" dirty="0" smtClean="0">
+                <a:solidFill>
+                  <a:schemeClr val="accent6">
+                    <a:lumMod val="50000"/>
+                  </a:schemeClr>
+                </a:solidFill>
+              </a:rPr>
+              <a:t>public:</a:t>
+            </a:r>
+          </a:p>
+          <a:p>
+            <a:r>
+              <a:rPr lang="en-US" dirty="0" smtClean="0">
+                <a:solidFill>
+                  <a:schemeClr val="accent6">
+                    <a:lumMod val="50000"/>
+                  </a:schemeClr>
+                </a:solidFill>
+              </a:rPr>
+              <a:t>  </a:t>
+            </a:r>
+            <a:r>
+              <a:rPr lang="en-US" dirty="0" err="1" smtClean="0">
+                <a:solidFill>
+                  <a:schemeClr val="accent6">
+                    <a:lumMod val="50000"/>
+                  </a:schemeClr>
+                </a:solidFill>
+              </a:rPr>
+              <a:t>const</a:t>
+            </a:r>
+            <a:r>
+              <a:rPr lang="en-US" dirty="0" smtClean="0">
+                <a:solidFill>
+                  <a:schemeClr val="accent6">
+                    <a:lumMod val="50000"/>
+                  </a:schemeClr>
+                </a:solidFill>
+              </a:rPr>
+              <a:t> </a:t>
+            </a:r>
+            <a:r>
+              <a:rPr lang="en-US" dirty="0" err="1" smtClean="0">
+                <a:solidFill>
+                  <a:srgbClr val="00B0F0"/>
+                </a:solidFill>
+              </a:rPr>
+              <a:t>TypeInfo</a:t>
+            </a:r>
+            <a:r>
+              <a:rPr lang="en-US" dirty="0" smtClean="0">
+                <a:solidFill>
+                  <a:srgbClr val="00B0F0"/>
+                </a:solidFill>
+              </a:rPr>
+              <a:t>* </a:t>
+            </a:r>
+            <a:r>
+              <a:rPr lang="en-US" dirty="0" err="1" smtClean="0">
+                <a:solidFill>
+                  <a:schemeClr val="accent6">
+                    <a:lumMod val="50000"/>
+                  </a:schemeClr>
+                </a:solidFill>
+              </a:rPr>
+              <a:t>m_type</a:t>
+            </a:r>
+            <a:r>
+              <a:rPr lang="en-US" dirty="0" smtClean="0">
+                <a:solidFill>
+                  <a:schemeClr val="accent6">
+                    <a:lumMod val="50000"/>
+                  </a:schemeClr>
+                </a:solidFill>
+              </a:rPr>
+              <a:t>;</a:t>
+            </a:r>
+          </a:p>
+          <a:p>
+            <a:r>
+              <a:rPr lang="en-US" dirty="0">
+                <a:solidFill>
+                  <a:schemeClr val="accent6">
+                    <a:lumMod val="50000"/>
+                  </a:schemeClr>
+                </a:solidFill>
+              </a:rPr>
+              <a:t> </a:t>
+            </a:r>
+            <a:r>
+              <a:rPr lang="en-US" dirty="0" smtClean="0">
+                <a:solidFill>
+                  <a:schemeClr val="accent6">
+                    <a:lumMod val="50000"/>
+                  </a:schemeClr>
+                </a:solidFill>
+              </a:rPr>
+              <a:t> void* </a:t>
+            </a:r>
+            <a:r>
+              <a:rPr lang="en-US" dirty="0" err="1" smtClean="0">
+                <a:solidFill>
+                  <a:schemeClr val="accent6">
+                    <a:lumMod val="50000"/>
+                  </a:schemeClr>
+                </a:solidFill>
+              </a:rPr>
+              <a:t>m_data</a:t>
+            </a:r>
+            <a:r>
+              <a:rPr lang="en-US" dirty="0" smtClean="0">
+                <a:solidFill>
+                  <a:schemeClr val="accent6">
+                    <a:lumMod val="50000"/>
+                  </a:schemeClr>
+                </a:solidFill>
+              </a:rPr>
+              <a:t>; </a:t>
+            </a:r>
+            <a:r>
+              <a:rPr lang="en-US" sz="1400" dirty="0" smtClean="0">
+                <a:solidFill>
+                  <a:schemeClr val="accent6"/>
+                </a:solidFill>
+              </a:rPr>
+              <a:t>// location in memory </a:t>
+            </a:r>
+            <a:r>
+              <a:rPr lang="en-US" dirty="0" smtClean="0">
+                <a:solidFill>
+                  <a:schemeClr val="accent6">
+                    <a:lumMod val="50000"/>
+                  </a:schemeClr>
+                </a:solidFill>
+              </a:rPr>
+              <a:t>}</a:t>
+            </a:r>
+          </a:p>
+          <a:p>
+            <a:endParaRPr lang="en-US" dirty="0">
+              <a:solidFill>
+                <a:schemeClr val="accent6">
+                  <a:lumMod val="50000"/>
+                </a:schemeClr>
+              </a:solidFill>
+            </a:endParaRPr>
+          </a:p>
+          <a:p>
+            <a:r>
+              <a:rPr lang="en-US" dirty="0" smtClean="0">
+                <a:solidFill>
+                  <a:schemeClr val="accent6">
+                    <a:lumMod val="50000"/>
+                  </a:schemeClr>
+                </a:solidFill>
+              </a:rPr>
+              <a:t>class </a:t>
+            </a:r>
+            <a:r>
+              <a:rPr lang="en-US" dirty="0" smtClean="0">
+                <a:solidFill>
+                  <a:srgbClr val="00B050"/>
+                </a:solidFill>
+              </a:rPr>
+              <a:t>Member</a:t>
+            </a:r>
+            <a:r>
+              <a:rPr lang="en-US" dirty="0" smtClean="0">
+                <a:solidFill>
+                  <a:schemeClr val="accent6">
+                    <a:lumMod val="50000"/>
+                  </a:schemeClr>
+                </a:solidFill>
+              </a:rPr>
+              <a:t> {</a:t>
+            </a:r>
+          </a:p>
+          <a:p>
+            <a:r>
+              <a:rPr lang="en-US" dirty="0" smtClean="0">
+                <a:solidFill>
+                  <a:schemeClr val="accent6">
+                    <a:lumMod val="50000"/>
+                  </a:schemeClr>
+                </a:solidFill>
+              </a:rPr>
+              <a:t>public:</a:t>
+            </a:r>
+          </a:p>
+          <a:p>
+            <a:r>
+              <a:rPr lang="en-US" dirty="0" smtClean="0">
+                <a:solidFill>
+                  <a:schemeClr val="accent6">
+                    <a:lumMod val="50000"/>
+                  </a:schemeClr>
+                </a:solidFill>
+              </a:rPr>
+              <a:t>  </a:t>
+            </a:r>
+            <a:r>
+              <a:rPr lang="en-US" dirty="0" err="1" smtClean="0">
+                <a:solidFill>
+                  <a:schemeClr val="accent6">
+                    <a:lumMod val="50000"/>
+                  </a:schemeClr>
+                </a:solidFill>
+              </a:rPr>
+              <a:t>const</a:t>
+            </a:r>
+            <a:r>
+              <a:rPr lang="en-US" dirty="0" smtClean="0">
+                <a:solidFill>
+                  <a:schemeClr val="accent6">
+                    <a:lumMod val="50000"/>
+                  </a:schemeClr>
+                </a:solidFill>
+              </a:rPr>
+              <a:t> char* </a:t>
+            </a:r>
+            <a:r>
+              <a:rPr lang="en-US" dirty="0" err="1" smtClean="0">
+                <a:solidFill>
+                  <a:schemeClr val="accent6">
+                    <a:lumMod val="50000"/>
+                  </a:schemeClr>
+                </a:solidFill>
+              </a:rPr>
+              <a:t>m_name</a:t>
+            </a:r>
+            <a:r>
+              <a:rPr lang="en-US" dirty="0" smtClean="0">
+                <a:solidFill>
+                  <a:schemeClr val="accent6">
+                    <a:lumMod val="50000"/>
+                  </a:schemeClr>
+                </a:solidFill>
+              </a:rPr>
+              <a:t>;</a:t>
+            </a:r>
+          </a:p>
+          <a:p>
+            <a:r>
+              <a:rPr lang="en-US" dirty="0">
+                <a:solidFill>
+                  <a:schemeClr val="accent6">
+                    <a:lumMod val="50000"/>
+                  </a:schemeClr>
+                </a:solidFill>
+              </a:rPr>
+              <a:t> </a:t>
+            </a:r>
+            <a:r>
+              <a:rPr lang="en-US" dirty="0" smtClean="0">
+                <a:solidFill>
+                  <a:schemeClr val="accent6">
+                    <a:lumMod val="50000"/>
+                  </a:schemeClr>
+                </a:solidFill>
+              </a:rPr>
+              <a:t> unsigned </a:t>
+            </a:r>
+            <a:r>
+              <a:rPr lang="en-US" dirty="0" err="1" smtClean="0">
+                <a:solidFill>
+                  <a:schemeClr val="accent6">
+                    <a:lumMod val="50000"/>
+                  </a:schemeClr>
+                </a:solidFill>
+              </a:rPr>
+              <a:t>m_offset</a:t>
+            </a:r>
+            <a:r>
+              <a:rPr lang="en-US" dirty="0" smtClean="0">
+                <a:solidFill>
+                  <a:schemeClr val="accent6">
+                    <a:lumMod val="50000"/>
+                  </a:schemeClr>
+                </a:solidFill>
+              </a:rPr>
+              <a:t>;</a:t>
+            </a:r>
+          </a:p>
+          <a:p>
+            <a:r>
+              <a:rPr lang="en-US" dirty="0" smtClean="0">
+                <a:solidFill>
+                  <a:schemeClr val="accent6">
+                    <a:lumMod val="50000"/>
+                  </a:schemeClr>
+                </a:solidFill>
+              </a:rPr>
+              <a:t>  </a:t>
+            </a:r>
+            <a:r>
+              <a:rPr lang="en-US" dirty="0" err="1" smtClean="0">
+                <a:solidFill>
+                  <a:schemeClr val="accent6">
+                    <a:lumMod val="50000"/>
+                  </a:schemeClr>
+                </a:solidFill>
+              </a:rPr>
+              <a:t>const</a:t>
+            </a:r>
+            <a:r>
+              <a:rPr lang="en-US" dirty="0" smtClean="0">
+                <a:solidFill>
+                  <a:schemeClr val="accent6">
+                    <a:lumMod val="50000"/>
+                  </a:schemeClr>
+                </a:solidFill>
+              </a:rPr>
+              <a:t> </a:t>
+            </a:r>
+            <a:r>
+              <a:rPr lang="en-US" dirty="0" err="1" smtClean="0">
+                <a:solidFill>
+                  <a:srgbClr val="00B0F0"/>
+                </a:solidFill>
+              </a:rPr>
+              <a:t>TypeInfo</a:t>
+            </a:r>
+            <a:r>
+              <a:rPr lang="en-US" dirty="0" smtClean="0">
+                <a:solidFill>
+                  <a:srgbClr val="00B0F0"/>
+                </a:solidFill>
+              </a:rPr>
+              <a:t>*</a:t>
+            </a:r>
+            <a:r>
+              <a:rPr lang="en-US" dirty="0" smtClean="0">
+                <a:solidFill>
+                  <a:schemeClr val="accent6">
+                    <a:lumMod val="50000"/>
+                  </a:schemeClr>
+                </a:solidFill>
+              </a:rPr>
+              <a:t> </a:t>
+            </a:r>
+            <a:r>
+              <a:rPr lang="en-US" dirty="0" err="1" smtClean="0">
+                <a:solidFill>
+                  <a:schemeClr val="accent6">
+                    <a:lumMod val="50000"/>
+                  </a:schemeClr>
+                </a:solidFill>
+              </a:rPr>
+              <a:t>m_type</a:t>
+            </a:r>
+            <a:r>
+              <a:rPr lang="en-US" dirty="0" smtClean="0">
+                <a:solidFill>
+                  <a:schemeClr val="accent6">
+                    <a:lumMod val="50000"/>
+                  </a:schemeClr>
+                </a:solidFill>
+              </a:rPr>
+              <a:t>; }</a:t>
+            </a:r>
+            <a:endParaRPr lang="en-US" dirty="0">
+              <a:solidFill>
+                <a:schemeClr val="accent6">
+                  <a:lumMod val="50000"/>
+                </a:schemeClr>
+              </a:solidFill>
+            </a:endParaRPr>
           </a:p>
         </p:txBody>
       </p:sp>
     </p:spTree>
     <p:extLst>
       <p:ext uri="{BB962C8B-B14F-4D97-AF65-F5344CB8AC3E}">
-        <p14:creationId xmlns:p14="http://schemas.microsoft.com/office/powerpoint/2010/main" val="3684532895"/>
+        <p14:creationId xmlns:p14="http://schemas.microsoft.com/office/powerpoint/2010/main" val="3331443829"/>
       </p:ext>
     </p:extLst>
   </p:cSld>
@@ -4108,6 +5178,186 @@
         </p:nvSpPr>
         <p:spPr/>
         <p:txBody>
+          <a:bodyPr/>
+          <a:lstStyle/>
+          <a:p>
+            <a:r>
+              <a:rPr lang="en-US" dirty="0" smtClean="0"/>
+              <a:t>Not a whole bunch of actual usage but we have the framework</a:t>
+            </a:r>
+          </a:p>
+          <a:p>
+            <a:r>
+              <a:rPr lang="en-US" dirty="0" smtClean="0"/>
+              <a:t>What next?</a:t>
+            </a:r>
+          </a:p>
+          <a:p>
+            <a:pPr lvl="1"/>
+            <a:r>
+              <a:rPr lang="en-US" dirty="0" smtClean="0"/>
+              <a:t>Constructors for </a:t>
+            </a:r>
+            <a:r>
+              <a:rPr lang="en-US" dirty="0" smtClean="0">
+                <a:solidFill>
+                  <a:srgbClr val="FF0000"/>
+                </a:solidFill>
+              </a:rPr>
+              <a:t>Variable</a:t>
+            </a:r>
+          </a:p>
+          <a:p>
+            <a:pPr lvl="2"/>
+            <a:r>
+              <a:rPr lang="en-US" dirty="0" smtClean="0"/>
+              <a:t>Copy constructor</a:t>
+            </a:r>
+          </a:p>
+          <a:p>
+            <a:pPr lvl="2"/>
+            <a:r>
+              <a:rPr lang="en-US" dirty="0" smtClean="0"/>
+              <a:t>Conversion constructor (actual data -&gt; variable)</a:t>
+            </a:r>
+          </a:p>
+          <a:p>
+            <a:pPr lvl="2"/>
+            <a:r>
+              <a:rPr lang="en-US" dirty="0" smtClean="0"/>
+              <a:t>Non-Default constructor (</a:t>
+            </a:r>
+            <a:r>
+              <a:rPr lang="en-US" dirty="0" err="1" smtClean="0">
+                <a:solidFill>
+                  <a:srgbClr val="00B0F0"/>
+                </a:solidFill>
+              </a:rPr>
+              <a:t>TypeInfo</a:t>
+            </a:r>
+            <a:r>
+              <a:rPr lang="en-US" dirty="0" smtClean="0"/>
+              <a:t>, memory address)</a:t>
+            </a:r>
+          </a:p>
+          <a:p>
+            <a:pPr lvl="1"/>
+            <a:r>
+              <a:rPr lang="en-US" dirty="0" smtClean="0"/>
+              <a:t>Helper Functions</a:t>
+            </a:r>
+          </a:p>
+          <a:p>
+            <a:pPr lvl="2"/>
+            <a:r>
+              <a:rPr lang="en-US" dirty="0" err="1" smtClean="0"/>
+              <a:t>GetData</a:t>
+            </a:r>
+            <a:r>
+              <a:rPr lang="en-US" dirty="0" smtClean="0"/>
+              <a:t>() – Returns data pointer</a:t>
+            </a:r>
+          </a:p>
+          <a:p>
+            <a:pPr lvl="2"/>
+            <a:r>
+              <a:rPr lang="en-US" dirty="0" err="1" smtClean="0"/>
+              <a:t>GetValue</a:t>
+            </a:r>
+            <a:r>
+              <a:rPr lang="en-US" dirty="0" smtClean="0"/>
+              <a:t>&lt;T&gt;() – Returns data casted as type T</a:t>
+            </a:r>
+          </a:p>
+          <a:p>
+            <a:pPr lvl="1"/>
+            <a:r>
+              <a:rPr lang="en-US" dirty="0" smtClean="0"/>
+              <a:t>Abstract members to private, add interfaces</a:t>
+            </a:r>
+          </a:p>
+          <a:p>
+            <a:pPr lvl="1"/>
+            <a:r>
+              <a:rPr lang="en-US" dirty="0" smtClean="0"/>
+              <a:t>Ability to serialize?</a:t>
+            </a:r>
+            <a:endParaRPr lang="en-US" dirty="0"/>
+          </a:p>
+        </p:txBody>
+      </p:sp>
+      <p:sp>
+        <p:nvSpPr>
+          <p:cNvPr id="3" name="Title 2"/>
+          <p:cNvSpPr>
+            <a:spLocks noGrp="1"/>
+          </p:cNvSpPr>
+          <p:nvPr>
+            <p:ph type="title"/>
+          </p:nvPr>
+        </p:nvSpPr>
+        <p:spPr/>
+        <p:txBody>
+          <a:bodyPr/>
+          <a:lstStyle/>
+          <a:p>
+            <a:r>
+              <a:rPr lang="en-US" dirty="0" smtClean="0"/>
+              <a:t>Where are we at now?</a:t>
+            </a:r>
+            <a:endParaRPr lang="en-US" dirty="0"/>
+          </a:p>
+        </p:txBody>
+      </p:sp>
+    </p:spTree>
+    <p:extLst>
+      <p:ext uri="{BB962C8B-B14F-4D97-AF65-F5344CB8AC3E}">
+        <p14:creationId xmlns:p14="http://schemas.microsoft.com/office/powerpoint/2010/main" val="3684532895"/>
+      </p:ext>
+    </p:extLst>
+  </p:cSld>
+  <p:clrMapOvr>
+    <a:masterClrMapping/>
+  </p:clrMapOvr>
+  <p:timing>
+    <p:tnLst>
+      <p:par>
+        <p:cTn id="1" dur="indefinite" restart="never" nodeType="tmRoot"/>
+      </p:par>
+    </p:tnLst>
+  </p:timing>
+</p:sld>
+</file>
+
+<file path=ppt/slides/slide12.xml><?xml version="1.0" encoding="utf-8"?>
+<p:sld xmlns:a="http://schemas.openxmlformats.org/drawingml/2006/main" xmlns:r="http://schemas.openxmlformats.org/officeDocument/2006/relationships" xmlns:p="http://schemas.openxmlformats.org/presentationml/2006/main">
+  <p:cSld>
+    <p:spTree>
+      <p:nvGrpSpPr>
+        <p:cNvPr id="1" name=""/>
+        <p:cNvGrpSpPr/>
+        <p:nvPr/>
+      </p:nvGrpSpPr>
+      <p:grpSpPr>
+        <a:xfrm>
+          <a:off x="0" y="0"/>
+          <a:ext cx="0" cy="0"/>
+          <a:chOff x="0" y="0"/>
+          <a:chExt cx="0" cy="0"/>
+        </a:xfrm>
+      </p:grpSpPr>
+      <p:sp>
+        <p:nvSpPr>
+          <p:cNvPr id="2" name="Content Placeholder 1"/>
+          <p:cNvSpPr>
+            <a:spLocks noGrp="1"/>
+          </p:cNvSpPr>
+          <p:nvPr>
+            <p:ph idx="1"/>
+          </p:nvPr>
+        </p:nvSpPr>
+        <p:spPr/>
+        <p:txBody>
           <a:bodyPr>
             <a:normAutofit/>
           </a:bodyPr>
@@ -4742,403 +5992,6 @@
 </p:sld>
 </file>
 
-<file path=ppt/slides/slide12.xml><?xml version="1.0" encoding="utf-8"?>
-<p:sld xmlns:a="http://schemas.openxmlformats.org/drawingml/2006/main" xmlns:r="http://schemas.openxmlformats.org/officeDocument/2006/relationships" xmlns:p="http://schemas.openxmlformats.org/presentationml/2006/main">
-  <p:cSld>
-    <p:spTree>
-      <p:nvGrpSpPr>
-        <p:cNvPr id="1" name=""/>
-        <p:cNvGrpSpPr/>
-        <p:nvPr/>
-      </p:nvGrpSpPr>
-      <p:grpSpPr>
-        <a:xfrm>
-          <a:off x="0" y="0"/>
-          <a:ext cx="0" cy="0"/>
-          <a:chOff x="0" y="0"/>
-          <a:chExt cx="0" cy="0"/>
-        </a:xfrm>
-      </p:grpSpPr>
-      <p:sp>
-        <p:nvSpPr>
-          <p:cNvPr id="2" name="Content Placeholder 1"/>
-          <p:cNvSpPr>
-            <a:spLocks noGrp="1"/>
-          </p:cNvSpPr>
-          <p:nvPr>
-            <p:ph idx="1"/>
-          </p:nvPr>
-        </p:nvSpPr>
-        <p:spPr/>
-        <p:txBody>
-          <a:bodyPr/>
-          <a:lstStyle/>
-          <a:p>
-            <a:r>
-              <a:rPr lang="en-US" dirty="0" smtClean="0"/>
-              <a:t>So what about serializing </a:t>
-            </a:r>
-            <a:r>
-              <a:rPr lang="en-US" dirty="0" err="1" smtClean="0"/>
-              <a:t>int’s</a:t>
-            </a:r>
-            <a:r>
-              <a:rPr lang="en-US" dirty="0" smtClean="0"/>
-              <a:t>, float’s, double’s?</a:t>
-            </a:r>
-          </a:p>
-          <a:p>
-            <a:r>
-              <a:rPr lang="en-US" dirty="0" smtClean="0"/>
-              <a:t>Write a special serialization function for those!</a:t>
-            </a:r>
-          </a:p>
-          <a:p>
-            <a:pPr lvl="1"/>
-            <a:endParaRPr lang="en-US" dirty="0"/>
-          </a:p>
-        </p:txBody>
-      </p:sp>
-      <p:sp>
-        <p:nvSpPr>
-          <p:cNvPr id="3" name="Title 2"/>
-          <p:cNvSpPr>
-            <a:spLocks noGrp="1"/>
-          </p:cNvSpPr>
-          <p:nvPr>
-            <p:ph type="title"/>
-          </p:nvPr>
-        </p:nvSpPr>
-        <p:spPr/>
-        <p:txBody>
-          <a:bodyPr/>
-          <a:lstStyle/>
-          <a:p>
-            <a:r>
-              <a:rPr lang="en-US" dirty="0" smtClean="0"/>
-              <a:t>Type specific serialization</a:t>
-            </a:r>
-            <a:endParaRPr lang="en-US" dirty="0"/>
-          </a:p>
-        </p:txBody>
-      </p:sp>
-      <p:sp>
-        <p:nvSpPr>
-          <p:cNvPr id="4" name="TextBox 3"/>
-          <p:cNvSpPr txBox="1"/>
-          <p:nvPr/>
-        </p:nvSpPr>
-        <p:spPr>
-          <a:xfrm>
-            <a:off x="1219200" y="2819400"/>
-            <a:ext cx="5562600" cy="1631216"/>
-          </a:xfrm>
-          <a:prstGeom prst="rect">
-            <a:avLst/>
-          </a:prstGeom>
-          <a:noFill/>
-        </p:spPr>
-        <p:txBody>
-          <a:bodyPr wrap="square" rtlCol="0">
-            <a:spAutoFit/>
-          </a:bodyPr>
-          <a:lstStyle/>
-          <a:p>
-            <a:r>
-              <a:rPr lang="en-US" sz="2000" dirty="0" smtClean="0">
-                <a:solidFill>
-                  <a:schemeClr val="accent6">
-                    <a:lumMod val="50000"/>
-                  </a:schemeClr>
-                </a:solidFill>
-              </a:rPr>
-              <a:t>void </a:t>
-            </a:r>
-            <a:r>
-              <a:rPr lang="en-US" sz="2000" dirty="0" err="1" smtClean="0">
-                <a:solidFill>
-                  <a:schemeClr val="accent6">
-                    <a:lumMod val="50000"/>
-                  </a:schemeClr>
-                </a:solidFill>
-              </a:rPr>
-              <a:t>SerializeInt</a:t>
-            </a:r>
-            <a:r>
-              <a:rPr lang="en-US" sz="2000" dirty="0" smtClean="0">
-                <a:solidFill>
-                  <a:schemeClr val="accent6">
-                    <a:lumMod val="50000"/>
-                  </a:schemeClr>
-                </a:solidFill>
-              </a:rPr>
-              <a:t>(File&amp; file, </a:t>
-            </a:r>
-            <a:r>
-              <a:rPr lang="en-US" sz="2000" dirty="0" smtClean="0">
-                <a:solidFill>
-                  <a:srgbClr val="FF0000"/>
-                </a:solidFill>
-              </a:rPr>
-              <a:t>Variable </a:t>
-            </a:r>
-            <a:r>
-              <a:rPr lang="en-US" sz="2000" dirty="0" err="1" smtClean="0">
-                <a:solidFill>
-                  <a:srgbClr val="FF0000"/>
-                </a:solidFill>
-              </a:rPr>
-              <a:t>var</a:t>
-            </a:r>
-            <a:r>
-              <a:rPr lang="en-US" sz="2000" dirty="0" smtClean="0">
-                <a:solidFill>
-                  <a:schemeClr val="accent6">
-                    <a:lumMod val="50000"/>
-                  </a:schemeClr>
-                </a:solidFill>
-              </a:rPr>
-              <a:t>)</a:t>
-            </a:r>
-          </a:p>
-          <a:p>
-            <a:r>
-              <a:rPr lang="en-US" sz="2000" dirty="0" smtClean="0">
-                <a:solidFill>
-                  <a:schemeClr val="accent6">
-                    <a:lumMod val="50000"/>
-                  </a:schemeClr>
-                </a:solidFill>
-              </a:rPr>
-              <a:t>{</a:t>
-            </a:r>
-          </a:p>
-          <a:p>
-            <a:r>
-              <a:rPr lang="en-US" sz="2000" dirty="0">
-                <a:solidFill>
-                  <a:schemeClr val="accent6">
-                    <a:lumMod val="50000"/>
-                  </a:schemeClr>
-                </a:solidFill>
-              </a:rPr>
-              <a:t> </a:t>
-            </a:r>
-            <a:r>
-              <a:rPr lang="en-US" sz="2000" dirty="0" smtClean="0">
-                <a:solidFill>
-                  <a:schemeClr val="accent6">
-                    <a:lumMod val="50000"/>
-                  </a:schemeClr>
-                </a:solidFill>
-              </a:rPr>
-              <a:t> </a:t>
-            </a:r>
-            <a:r>
-              <a:rPr lang="en-US" sz="2000" dirty="0" err="1" smtClean="0">
-                <a:solidFill>
-                  <a:schemeClr val="accent6">
-                    <a:lumMod val="50000"/>
-                  </a:schemeClr>
-                </a:solidFill>
-              </a:rPr>
-              <a:t>file.Write</a:t>
-            </a:r>
-            <a:r>
-              <a:rPr lang="en-US" sz="2000" dirty="0" smtClean="0">
-                <a:solidFill>
-                  <a:schemeClr val="accent6">
-                    <a:lumMod val="50000"/>
-                  </a:schemeClr>
-                </a:solidFill>
-              </a:rPr>
-              <a:t>( “%s “, </a:t>
-            </a:r>
-            <a:r>
-              <a:rPr lang="en-US" sz="2000" dirty="0" err="1" smtClean="0">
-                <a:solidFill>
-                  <a:srgbClr val="FF0000"/>
-                </a:solidFill>
-              </a:rPr>
-              <a:t>var</a:t>
-            </a:r>
-            <a:r>
-              <a:rPr lang="en-US" sz="2000" dirty="0" err="1" smtClean="0">
-                <a:solidFill>
-                  <a:schemeClr val="accent6">
-                    <a:lumMod val="50000"/>
-                  </a:schemeClr>
-                </a:solidFill>
-              </a:rPr>
-              <a:t>.</a:t>
-            </a:r>
-            <a:r>
-              <a:rPr lang="en-US" sz="2000" dirty="0" err="1" smtClean="0">
-                <a:solidFill>
-                  <a:srgbClr val="00B0F0"/>
-                </a:solidFill>
-              </a:rPr>
-              <a:t>m_type</a:t>
-            </a:r>
-            <a:r>
-              <a:rPr lang="en-US" sz="2000" dirty="0" smtClean="0">
-                <a:solidFill>
-                  <a:srgbClr val="00B0F0"/>
-                </a:solidFill>
-              </a:rPr>
-              <a:t>-&gt;</a:t>
-            </a:r>
-            <a:r>
-              <a:rPr lang="en-US" sz="2000" dirty="0" err="1" smtClean="0">
-                <a:solidFill>
-                  <a:srgbClr val="00B0F0"/>
-                </a:solidFill>
-              </a:rPr>
-              <a:t>m_name</a:t>
-            </a:r>
-            <a:r>
-              <a:rPr lang="en-US" sz="2000" dirty="0" smtClean="0">
-                <a:solidFill>
-                  <a:srgbClr val="00B0F0"/>
-                </a:solidFill>
-              </a:rPr>
-              <a:t> </a:t>
-            </a:r>
-            <a:r>
-              <a:rPr lang="en-US" sz="2000" dirty="0" smtClean="0">
-                <a:solidFill>
-                  <a:schemeClr val="accent6">
-                    <a:lumMod val="50000"/>
-                  </a:schemeClr>
-                </a:solidFill>
-              </a:rPr>
-              <a:t>);</a:t>
-            </a:r>
-          </a:p>
-          <a:p>
-            <a:r>
-              <a:rPr lang="en-US" sz="2000" dirty="0">
-                <a:solidFill>
-                  <a:schemeClr val="accent6">
-                    <a:lumMod val="50000"/>
-                  </a:schemeClr>
-                </a:solidFill>
-              </a:rPr>
-              <a:t> </a:t>
-            </a:r>
-            <a:r>
-              <a:rPr lang="en-US" sz="2000" dirty="0" smtClean="0">
-                <a:solidFill>
-                  <a:schemeClr val="accent6">
-                    <a:lumMod val="50000"/>
-                  </a:schemeClr>
-                </a:solidFill>
-              </a:rPr>
-              <a:t> </a:t>
-            </a:r>
-            <a:r>
-              <a:rPr lang="en-US" sz="2000" dirty="0" err="1" smtClean="0">
-                <a:solidFill>
-                  <a:schemeClr val="accent6">
-                    <a:lumMod val="50000"/>
-                  </a:schemeClr>
-                </a:solidFill>
-              </a:rPr>
-              <a:t>file.Write</a:t>
-            </a:r>
-            <a:r>
-              <a:rPr lang="en-US" sz="2000" dirty="0" smtClean="0">
-                <a:solidFill>
-                  <a:schemeClr val="accent6">
-                    <a:lumMod val="50000"/>
-                  </a:schemeClr>
-                </a:solidFill>
-              </a:rPr>
-              <a:t>( “%d\n”, </a:t>
-            </a:r>
-            <a:r>
-              <a:rPr lang="en-US" sz="2000" dirty="0" err="1" smtClean="0">
-                <a:solidFill>
-                  <a:srgbClr val="FF0000"/>
-                </a:solidFill>
-              </a:rPr>
-              <a:t>var</a:t>
-            </a:r>
-            <a:r>
-              <a:rPr lang="en-US" sz="2000" dirty="0" err="1" smtClean="0">
-                <a:solidFill>
-                  <a:schemeClr val="accent6">
-                    <a:lumMod val="50000"/>
-                  </a:schemeClr>
-                </a:solidFill>
-              </a:rPr>
-              <a:t>.GetValue</a:t>
-            </a:r>
-            <a:r>
-              <a:rPr lang="en-US" sz="2000" dirty="0" smtClean="0">
-                <a:solidFill>
-                  <a:schemeClr val="accent6">
-                    <a:lumMod val="50000"/>
-                  </a:schemeClr>
-                </a:solidFill>
-              </a:rPr>
-              <a:t>&lt;</a:t>
-            </a:r>
-            <a:r>
-              <a:rPr lang="en-US" sz="2000" dirty="0" err="1" smtClean="0">
-                <a:solidFill>
-                  <a:schemeClr val="accent6">
-                    <a:lumMod val="50000"/>
-                  </a:schemeClr>
-                </a:solidFill>
-              </a:rPr>
-              <a:t>int</a:t>
-            </a:r>
-            <a:r>
-              <a:rPr lang="en-US" sz="2000" dirty="0" smtClean="0">
-                <a:solidFill>
-                  <a:schemeClr val="accent6">
-                    <a:lumMod val="50000"/>
-                  </a:schemeClr>
-                </a:solidFill>
-              </a:rPr>
-              <a:t>&gt;() );</a:t>
-            </a:r>
-          </a:p>
-          <a:p>
-            <a:r>
-              <a:rPr lang="en-US" sz="2000" dirty="0">
-                <a:solidFill>
-                  <a:schemeClr val="accent6">
-                    <a:lumMod val="50000"/>
-                  </a:schemeClr>
-                </a:solidFill>
-              </a:rPr>
-              <a:t>}</a:t>
-            </a:r>
-          </a:p>
-        </p:txBody>
-      </p:sp>
-    </p:spTree>
-    <p:extLst>
-      <p:ext uri="{BB962C8B-B14F-4D97-AF65-F5344CB8AC3E}">
-        <p14:creationId xmlns:p14="http://schemas.microsoft.com/office/powerpoint/2010/main" val="3315512168"/>
-      </p:ext>
-    </p:extLst>
-  </p:cSld>
-  <p:clrMapOvr>
-    <a:masterClrMapping/>
-  </p:clrMapOvr>
-  <p:timing>
-    <p:tnLst>
-      <p:par>
-        <p:cTn id="1" dur="indefinite" restart="never" nodeType="tmRoot"/>
-      </p:par>
-    </p:tnLst>
-  </p:timing>
-</p:sld>
-</file>
-
 <file path=ppt/slides/slide13.xml><?xml version="1.0" encoding="utf-8"?>
 <p:sld xmlns:a="http://schemas.openxmlformats.org/drawingml/2006/main" xmlns:r="http://schemas.openxmlformats.org/officeDocument/2006/relationships" xmlns:p="http://schemas.openxmlformats.org/presentationml/2006/main">
   <p:cSld>
@@ -5173,20 +6026,25 @@
           <a:p>
             <a:r>
               <a:rPr lang="en-US" dirty="0" smtClean="0"/>
-              <a:t>What if we stored how to serialize types inside of their </a:t>
-            </a:r>
-            <a:r>
-              <a:rPr lang="en-US" dirty="0" err="1" smtClean="0">
-                <a:solidFill>
-                  <a:srgbClr val="00B0F0"/>
-                </a:solidFill>
-              </a:rPr>
-              <a:t>TypeInfo</a:t>
+              <a:t>So what about serializing </a:t>
+            </a:r>
+            <a:r>
+              <a:rPr lang="en-US" dirty="0" err="1" smtClean="0"/>
+              <a:t>int’s</a:t>
             </a:r>
             <a:r>
               <a:rPr lang="en-US" dirty="0" smtClean="0"/>
-              <a:t> class?</a:t>
-            </a:r>
+              <a:t>, float’s, double’s?</a:t>
+            </a:r>
+          </a:p>
+          <a:p>
+            <a:r>
+              <a:rPr lang="en-US" dirty="0" smtClean="0"/>
+              <a:t>Write a special serialization function for those!</a:t>
+            </a:r>
+          </a:p>
+          <a:p>
+            <a:pPr lvl="1"/>
             <a:endParaRPr lang="en-US" dirty="0"/>
           </a:p>
         </p:txBody>
@@ -5207,12 +6065,8 @@
           <a:lstStyle/>
           <a:p>
             <a:r>
-              <a:rPr lang="en-US" dirty="0" err="1" smtClean="0"/>
-              <a:t>Typeinfo</a:t>
-            </a:r>
-            <a:r>
               <a:rPr lang="en-US" dirty="0" smtClean="0"/>
-              <a:t>::serialize</a:t>
+              <a:t>Type specific serialization</a:t>
             </a:r>
             <a:endParaRPr lang="en-US" dirty="0"/>
           </a:p>
@@ -5226,8 +6080,8 @@
         </p:nvSpPr>
         <p:spPr>
           <a:xfrm>
-            <a:off x="214223" y="2602302"/>
-            <a:ext cx="4419600" cy="3662541"/>
+            <a:off x="1219200" y="2819400"/>
+            <a:ext cx="5562600" cy="1631216"/>
           </a:xfrm>
           <a:prstGeom prst="rect">
             <a:avLst/>
@@ -5241,84 +6095,53 @@
           <a:lstStyle/>
           <a:p>
             <a:r>
-              <a:rPr lang="en-US" sz="1600" dirty="0" smtClean="0">
-                <a:solidFill>
-                  <a:schemeClr val="bg2">
-                    <a:lumMod val="50000"/>
-                  </a:schemeClr>
-                </a:solidFill>
-              </a:rPr>
-              <a:t>// Create a type for serialize </a:t>
-            </a:r>
-            <a:r>
-              <a:rPr lang="en-US" sz="1600" dirty="0" err="1" smtClean="0">
-                <a:solidFill>
-                  <a:schemeClr val="bg2">
-                    <a:lumMod val="50000"/>
-                  </a:schemeClr>
-                </a:solidFill>
-              </a:rPr>
-              <a:t>functons</a:t>
-            </a:r>
-            <a:endParaRPr lang="en-US" sz="1600" dirty="0" smtClean="0">
-              <a:solidFill>
-                <a:schemeClr val="bg2">
-                  <a:lumMod val="50000"/>
-                </a:schemeClr>
-              </a:solidFill>
-            </a:endParaRPr>
-          </a:p>
-          <a:p>
-            <a:r>
-              <a:rPr lang="en-US" dirty="0" err="1" smtClean="0">
-                <a:solidFill>
-                  <a:schemeClr val="accent6">
-                    <a:lumMod val="50000"/>
-                  </a:schemeClr>
-                </a:solidFill>
-              </a:rPr>
-              <a:t>typedef</a:t>
-            </a:r>
-            <a:r>
-              <a:rPr lang="en-US" dirty="0" smtClean="0">
-                <a:solidFill>
-                  <a:schemeClr val="accent6">
-                    <a:lumMod val="50000"/>
-                  </a:schemeClr>
-                </a:solidFill>
-              </a:rPr>
-              <a:t> void (*</a:t>
-            </a:r>
-            <a:r>
-              <a:rPr lang="en-US" dirty="0" err="1" smtClean="0">
-                <a:solidFill>
-                  <a:schemeClr val="accent6">
-                    <a:lumMod val="50000"/>
-                  </a:schemeClr>
-                </a:solidFill>
-              </a:rPr>
-              <a:t>SerializeCB</a:t>
-            </a:r>
-            <a:r>
-              <a:rPr lang="en-US" dirty="0" smtClean="0">
-                <a:solidFill>
-                  <a:schemeClr val="accent6">
-                    <a:lumMod val="50000"/>
-                  </a:schemeClr>
-                </a:solidFill>
-              </a:rPr>
-              <a:t>)(File&amp;, </a:t>
-            </a:r>
-            <a:r>
-              <a:rPr lang="en-US" dirty="0" smtClean="0">
+              <a:rPr lang="en-US" sz="2000" dirty="0" smtClean="0">
+                <a:solidFill>
+                  <a:schemeClr val="accent6">
+                    <a:lumMod val="50000"/>
+                  </a:schemeClr>
+                </a:solidFill>
+              </a:rPr>
+              <a:t>void </a:t>
+            </a:r>
+            <a:r>
+              <a:rPr lang="en-US" sz="2000" dirty="0" err="1" smtClean="0">
+                <a:solidFill>
+                  <a:schemeClr val="accent6">
+                    <a:lumMod val="50000"/>
+                  </a:schemeClr>
+                </a:solidFill>
+              </a:rPr>
+              <a:t>SerializeInt</a:t>
+            </a:r>
+            <a:r>
+              <a:rPr lang="en-US" sz="2000" dirty="0" smtClean="0">
+                <a:solidFill>
+                  <a:schemeClr val="accent6">
+                    <a:lumMod val="50000"/>
+                  </a:schemeClr>
+                </a:solidFill>
+              </a:rPr>
+              <a:t>(File&amp; file, </a:t>
+            </a:r>
+            <a:r>
+              <a:rPr lang="en-US" sz="2000" dirty="0" smtClean="0">
                 <a:solidFill>
                   <a:srgbClr val="FF0000"/>
                 </a:solidFill>
               </a:rPr>
-              <a:t>Variable</a:t>
-            </a:r>
-            <a:r>
-              <a:rPr lang="en-US" dirty="0" smtClean="0">
+              <a:t>Variable </a:t>
+            </a:r>
+            <a:r>
+              <a:rPr lang="en-US" sz="2000" dirty="0" err="1" smtClean="0">
+                <a:solidFill>
+                  <a:srgbClr val="FF0000"/>
+                </a:solidFill>
+              </a:rPr>
+              <a:t>var</a:t>
+            </a:r>
+            <a:r>
+              <a:rPr lang="en-US" sz="2000" dirty="0" smtClean="0">
                 <a:solidFill>
                   <a:schemeClr val="accent6">
                     <a:lumMod val="50000"/>
@@ -5329,69 +6152,122 @@
             </a:r>
           </a:p>
           <a:p>
-            <a:endParaRPr lang="en-US" dirty="0">
-              <a:solidFill>
-                <a:schemeClr val="accent6">
-                  <a:lumMod val="50000"/>
-                </a:schemeClr>
-              </a:solidFill>
-            </a:endParaRPr>
-          </a:p>
-          <a:p>
-            <a:r>
-              <a:rPr lang="en-US" dirty="0" smtClean="0">
-                <a:solidFill>
-                  <a:schemeClr val="accent6">
-                    <a:lumMod val="50000"/>
-                  </a:schemeClr>
-                </a:solidFill>
-              </a:rPr>
-              <a:t>class </a:t>
-            </a:r>
-            <a:r>
-              <a:rPr lang="en-US" dirty="0" err="1" smtClean="0">
+            <a:r>
+              <a:rPr lang="en-US" sz="2000" dirty="0" smtClean="0">
+                <a:solidFill>
+                  <a:schemeClr val="accent6">
+                    <a:lumMod val="50000"/>
+                  </a:schemeClr>
+                </a:solidFill>
+              </a:rPr>
+              <a:t>{</a:t>
+            </a:r>
+          </a:p>
+          <a:p>
+            <a:r>
+              <a:rPr lang="en-US" sz="2000" dirty="0">
+                <a:solidFill>
+                  <a:schemeClr val="accent6">
+                    <a:lumMod val="50000"/>
+                  </a:schemeClr>
+                </a:solidFill>
+              </a:rPr>
+              <a:t> </a:t>
+            </a:r>
+            <a:r>
+              <a:rPr lang="en-US" sz="2000" dirty="0" smtClean="0">
+                <a:solidFill>
+                  <a:schemeClr val="accent6">
+                    <a:lumMod val="50000"/>
+                  </a:schemeClr>
+                </a:solidFill>
+              </a:rPr>
+              <a:t> </a:t>
+            </a:r>
+            <a:r>
+              <a:rPr lang="en-US" sz="2000" dirty="0" err="1" smtClean="0">
+                <a:solidFill>
+                  <a:schemeClr val="accent6">
+                    <a:lumMod val="50000"/>
+                  </a:schemeClr>
+                </a:solidFill>
+              </a:rPr>
+              <a:t>file.Write</a:t>
+            </a:r>
+            <a:r>
+              <a:rPr lang="en-US" sz="2000" dirty="0" smtClean="0">
+                <a:solidFill>
+                  <a:schemeClr val="accent6">
+                    <a:lumMod val="50000"/>
+                  </a:schemeClr>
+                </a:solidFill>
+              </a:rPr>
+              <a:t>( “%s “, </a:t>
+            </a:r>
+            <a:r>
+              <a:rPr lang="en-US" sz="2000" dirty="0" err="1" smtClean="0">
+                <a:solidFill>
+                  <a:srgbClr val="FF0000"/>
+                </a:solidFill>
+              </a:rPr>
+              <a:t>var</a:t>
+            </a:r>
+            <a:r>
+              <a:rPr lang="en-US" sz="2000" dirty="0" err="1" smtClean="0">
+                <a:solidFill>
+                  <a:schemeClr val="accent6">
+                    <a:lumMod val="50000"/>
+                  </a:schemeClr>
+                </a:solidFill>
+              </a:rPr>
+              <a:t>.</a:t>
+            </a:r>
+            <a:r>
+              <a:rPr lang="en-US" sz="2000" dirty="0" err="1" smtClean="0">
                 <a:solidFill>
                   <a:srgbClr val="00B0F0"/>
                 </a:solidFill>
               </a:rPr>
-              <a:t>TypeInfo</a:t>
-            </a:r>
-            <a:r>
-              <a:rPr lang="en-US" dirty="0" smtClean="0">
+              <a:t>m_type</a:t>
+            </a:r>
+            <a:r>
+              <a:rPr lang="en-US" sz="2000" dirty="0" smtClean="0">
                 <a:solidFill>
                   <a:srgbClr val="00B0F0"/>
                 </a:solidFill>
               </a:rPr>
+              <a:t>-&gt;</a:t>
+            </a:r>
+            <a:r>
+              <a:rPr lang="en-US" sz="2000" dirty="0" err="1" smtClean="0">
+                <a:solidFill>
+                  <a:srgbClr val="00B0F0"/>
+                </a:solidFill>
+              </a:rPr>
+              <a:t>m_name</a:t>
+            </a:r>
+            <a:r>
+              <a:rPr lang="en-US" sz="2000" dirty="0" smtClean="0">
+                <a:solidFill>
+                  <a:srgbClr val="00B0F0"/>
+                </a:solidFill>
+              </a:rPr>
               <a:t> </a:t>
             </a:r>
-          </a:p>
-          <a:p>
-            <a:r>
-              <a:rPr lang="en-US" dirty="0" smtClean="0">
-                <a:solidFill>
-                  <a:schemeClr val="accent6">
-                    <a:lumMod val="50000"/>
-                  </a:schemeClr>
-                </a:solidFill>
-              </a:rPr>
-              <a:t>{</a:t>
-            </a:r>
-          </a:p>
-          <a:p>
-            <a:r>
-              <a:rPr lang="en-US" dirty="0" smtClean="0">
-                <a:solidFill>
-                  <a:schemeClr val="accent6">
-                    <a:lumMod val="50000"/>
-                  </a:schemeClr>
-                </a:solidFill>
-              </a:rPr>
-              <a:t>public:</a:t>
-            </a:r>
-          </a:p>
-          <a:p>
-            <a:r>
-              <a:rPr lang="en-US" dirty="0">
+            <a:r>
+              <a:rPr lang="en-US" sz="2000" dirty="0" smtClean="0">
+                <a:solidFill>
+                  <a:schemeClr val="accent6">
+                    <a:lumMod val="50000"/>
+                  </a:schemeClr>
+                </a:solidFill>
+              </a:rPr>
+              <a:t>);</a:t>
+            </a:r>
+          </a:p>
+          <a:p>
+            <a:r>
+              <a:rPr lang="en-US" sz="2000" dirty="0">
                 <a:solidFill>
                   <a:schemeClr val="accent6">
                     <a:lumMod val="50000"/>
@@ -5401,39 +6277,7 @@
               <a:t> </a:t>
             </a:r>
             <a:r>
-              <a:rPr lang="en-US" dirty="0" smtClean="0">
-                <a:solidFill>
-                  <a:schemeClr val="accent6">
-                    <a:lumMod val="50000"/>
-                  </a:schemeClr>
-                </a:solidFill>
-              </a:rPr>
-              <a:t> unsigned </a:t>
-            </a:r>
-            <a:r>
-              <a:rPr lang="en-US" dirty="0" err="1" smtClean="0">
-                <a:solidFill>
-                  <a:schemeClr val="accent6">
-                    <a:lumMod val="50000"/>
-                  </a:schemeClr>
-                </a:solidFill>
-              </a:rPr>
-              <a:t>m_size</a:t>
-            </a:r>
-            <a:r>
-              <a:rPr lang="en-US" dirty="0" smtClean="0">
-                <a:solidFill>
-                  <a:schemeClr val="accent6">
-                    <a:lumMod val="50000"/>
-                  </a:schemeClr>
-                </a:solidFill>
-              </a:rPr>
-              <a:t>;</a:t>
-            </a:r>
-          </a:p>
-          <a:p>
-            <a:r>
-              <a:rPr lang="en-US" dirty="0">
+              <a:rPr lang="en-US" sz="2000" dirty="0" smtClean="0">
                 <a:solidFill>
                   <a:schemeClr val="accent6">
                     <a:lumMod val="50000"/>
@@ -5443,261 +6287,77 @@
               <a:t> </a:t>
             </a:r>
             <a:r>
-              <a:rPr lang="en-US" dirty="0" smtClean="0">
-                <a:solidFill>
-                  <a:schemeClr val="accent6">
-                    <a:lumMod val="50000"/>
-                  </a:schemeClr>
-                </a:solidFill>
-              </a:rPr>
-              <a:t> </a:t>
-            </a:r>
-            <a:r>
-              <a:rPr lang="en-US" dirty="0" err="1" smtClean="0">
-                <a:solidFill>
-                  <a:schemeClr val="accent6">
-                    <a:lumMod val="50000"/>
-                  </a:schemeClr>
-                </a:solidFill>
-              </a:rPr>
-              <a:t>std</a:t>
-            </a:r>
-            <a:r>
-              <a:rPr lang="en-US" dirty="0" smtClean="0">
-                <a:solidFill>
-                  <a:schemeClr val="accent6">
-                    <a:lumMod val="50000"/>
-                  </a:schemeClr>
-                </a:solidFill>
-              </a:rPr>
-              <a:t>::string </a:t>
-            </a:r>
-            <a:r>
-              <a:rPr lang="en-US" dirty="0" err="1" smtClean="0">
-                <a:solidFill>
-                  <a:schemeClr val="accent6">
-                    <a:lumMod val="50000"/>
-                  </a:schemeClr>
-                </a:solidFill>
-              </a:rPr>
-              <a:t>m_name</a:t>
-            </a:r>
-            <a:r>
-              <a:rPr lang="en-US" dirty="0" smtClean="0">
-                <a:solidFill>
-                  <a:schemeClr val="accent6">
-                    <a:lumMod val="50000"/>
-                  </a:schemeClr>
-                </a:solidFill>
-              </a:rPr>
-              <a:t>;</a:t>
-            </a:r>
-          </a:p>
-          <a:p>
-            <a:r>
-              <a:rPr lang="en-US" dirty="0">
-                <a:solidFill>
-                  <a:schemeClr val="accent6">
-                    <a:lumMod val="50000"/>
-                  </a:schemeClr>
-                </a:solidFill>
-              </a:rPr>
-              <a:t> </a:t>
-            </a:r>
-            <a:r>
-              <a:rPr lang="en-US" dirty="0" smtClean="0">
-                <a:solidFill>
-                  <a:schemeClr val="accent6">
-                    <a:lumMod val="50000"/>
-                  </a:schemeClr>
-                </a:solidFill>
-              </a:rPr>
-              <a:t> </a:t>
-            </a:r>
-            <a:r>
-              <a:rPr lang="en-US" dirty="0" err="1" smtClean="0">
-                <a:solidFill>
-                  <a:schemeClr val="accent6">
-                    <a:lumMod val="50000"/>
-                  </a:schemeClr>
-                </a:solidFill>
-              </a:rPr>
-              <a:t>std</a:t>
-            </a:r>
-            <a:r>
-              <a:rPr lang="en-US" dirty="0" smtClean="0">
-                <a:solidFill>
-                  <a:schemeClr val="accent6">
-                    <a:lumMod val="50000"/>
-                  </a:schemeClr>
-                </a:solidFill>
-              </a:rPr>
-              <a:t>::vector&lt;</a:t>
-            </a:r>
-            <a:r>
-              <a:rPr lang="en-US" dirty="0" smtClean="0">
-                <a:solidFill>
-                  <a:srgbClr val="00B050"/>
-                </a:solidFill>
-              </a:rPr>
-              <a:t>Member</a:t>
-            </a:r>
-            <a:r>
-              <a:rPr lang="en-US" dirty="0" smtClean="0">
-                <a:solidFill>
-                  <a:schemeClr val="accent6">
-                    <a:lumMod val="50000"/>
-                  </a:schemeClr>
-                </a:solidFill>
-              </a:rPr>
-              <a:t>&gt; </a:t>
-            </a:r>
-            <a:r>
-              <a:rPr lang="en-US" dirty="0" err="1" smtClean="0">
-                <a:solidFill>
-                  <a:schemeClr val="accent6">
-                    <a:lumMod val="50000"/>
-                  </a:schemeClr>
-                </a:solidFill>
-              </a:rPr>
-              <a:t>m_members</a:t>
-            </a:r>
-            <a:r>
-              <a:rPr lang="en-US" dirty="0" smtClean="0">
-                <a:solidFill>
-                  <a:schemeClr val="accent6">
-                    <a:lumMod val="50000"/>
-                  </a:schemeClr>
-                </a:solidFill>
-              </a:rPr>
-              <a:t>;</a:t>
-            </a:r>
-          </a:p>
-          <a:p>
-            <a:r>
-              <a:rPr lang="en-US" dirty="0">
-                <a:solidFill>
-                  <a:schemeClr val="accent6">
-                    <a:lumMod val="50000"/>
-                  </a:schemeClr>
-                </a:solidFill>
-              </a:rPr>
-              <a:t> </a:t>
-            </a:r>
-            <a:r>
-              <a:rPr lang="en-US" dirty="0" smtClean="0">
-                <a:solidFill>
-                  <a:schemeClr val="accent6">
-                    <a:lumMod val="50000"/>
-                  </a:schemeClr>
-                </a:solidFill>
-              </a:rPr>
-              <a:t> </a:t>
-            </a:r>
-            <a:r>
-              <a:rPr lang="en-US" dirty="0" err="1" smtClean="0">
-                <a:solidFill>
-                  <a:schemeClr val="accent6">
-                    <a:lumMod val="50000"/>
-                  </a:schemeClr>
-                </a:solidFill>
-              </a:rPr>
-              <a:t>SerializeCB</a:t>
-            </a:r>
-            <a:r>
-              <a:rPr lang="en-US" dirty="0" smtClean="0">
-                <a:solidFill>
-                  <a:schemeClr val="accent6">
-                    <a:lumMod val="50000"/>
-                  </a:schemeClr>
-                </a:solidFill>
-              </a:rPr>
-              <a:t> </a:t>
-            </a:r>
-            <a:r>
-              <a:rPr lang="en-US" dirty="0" err="1" smtClean="0">
-                <a:solidFill>
-                  <a:schemeClr val="accent6">
-                    <a:lumMod val="50000"/>
-                  </a:schemeClr>
-                </a:solidFill>
-              </a:rPr>
-              <a:t>m_serialize</a:t>
-            </a:r>
-            <a:r>
-              <a:rPr lang="en-US" dirty="0" smtClean="0">
-                <a:solidFill>
-                  <a:schemeClr val="accent6">
-                    <a:lumMod val="50000"/>
-                  </a:schemeClr>
-                </a:solidFill>
-              </a:rPr>
-              <a:t>;</a:t>
-            </a:r>
-          </a:p>
-          <a:p>
-            <a:r>
-              <a:rPr lang="en-US" dirty="0">
-                <a:solidFill>
-                  <a:schemeClr val="accent6">
-                    <a:lumMod val="50000"/>
-                  </a:schemeClr>
-                </a:solidFill>
-              </a:rPr>
-              <a:t> </a:t>
-            </a:r>
-            <a:r>
-              <a:rPr lang="en-US" dirty="0" smtClean="0">
-                <a:solidFill>
-                  <a:schemeClr val="accent6">
-                    <a:lumMod val="50000"/>
-                  </a:schemeClr>
-                </a:solidFill>
-              </a:rPr>
-              <a:t> void Serialize(File&amp; file, </a:t>
-            </a:r>
-            <a:r>
-              <a:rPr lang="en-US" dirty="0" smtClean="0">
+              <a:rPr lang="en-US" sz="2000" dirty="0" err="1" smtClean="0">
+                <a:solidFill>
+                  <a:schemeClr val="accent6">
+                    <a:lumMod val="50000"/>
+                  </a:schemeClr>
+                </a:solidFill>
+              </a:rPr>
+              <a:t>file.Write</a:t>
+            </a:r>
+            <a:r>
+              <a:rPr lang="en-US" sz="2000" dirty="0" smtClean="0">
+                <a:solidFill>
+                  <a:schemeClr val="accent6">
+                    <a:lumMod val="50000"/>
+                  </a:schemeClr>
+                </a:solidFill>
+              </a:rPr>
+              <a:t>( “%d\n”, </a:t>
+            </a:r>
+            <a:r>
+              <a:rPr lang="en-US" sz="2000" dirty="0" err="1" smtClean="0">
                 <a:solidFill>
                   <a:srgbClr val="FF0000"/>
                 </a:solidFill>
               </a:rPr>
-              <a:t>Variable</a:t>
-            </a:r>
-            <a:r>
-              <a:rPr lang="en-US" dirty="0" smtClean="0">
-                <a:solidFill>
-                  <a:schemeClr val="accent6">
-                    <a:lumMod val="50000"/>
-                  </a:schemeClr>
-                </a:solidFill>
-              </a:rPr>
-              <a:t> </a:t>
-            </a:r>
-            <a:r>
-              <a:rPr lang="en-US" dirty="0" err="1" smtClean="0">
-                <a:solidFill>
-                  <a:schemeClr val="accent6">
-                    <a:lumMod val="50000"/>
-                  </a:schemeClr>
-                </a:solidFill>
-              </a:rPr>
               <a:t>var</a:t>
             </a:r>
             <a:r>
-              <a:rPr lang="en-US" dirty="0" smtClean="0">
-                <a:solidFill>
-                  <a:schemeClr val="accent6">
-                    <a:lumMod val="50000"/>
-                  </a:schemeClr>
-                </a:solidFill>
-              </a:rPr>
-              <a:t>);</a:t>
-            </a:r>
-          </a:p>
-          <a:p>
-            <a:r>
-              <a:rPr lang="en-US" dirty="0" smtClean="0">
+              <a:rPr lang="en-US" sz="2000" dirty="0" err="1" smtClean="0">
+                <a:solidFill>
+                  <a:schemeClr val="accent6">
+                    <a:lumMod val="50000"/>
+                  </a:schemeClr>
+                </a:solidFill>
+              </a:rPr>
+              <a:t>.GetValue</a:t>
+            </a:r>
+            <a:r>
+              <a:rPr lang="en-US" sz="2000" dirty="0" smtClean="0">
+                <a:solidFill>
+                  <a:schemeClr val="accent6">
+                    <a:lumMod val="50000"/>
+                  </a:schemeClr>
+                </a:solidFill>
+              </a:rPr>
+              <a:t>&lt;</a:t>
+            </a:r>
+            <a:r>
+              <a:rPr lang="en-US" sz="2000" dirty="0" err="1" smtClean="0">
+                <a:solidFill>
+                  <a:schemeClr val="accent6">
+                    <a:lumMod val="50000"/>
+                  </a:schemeClr>
+                </a:solidFill>
+              </a:rPr>
+              <a:t>int</a:t>
+            </a:r>
+            <a:r>
+              <a:rPr lang="en-US" sz="2000" dirty="0" smtClean="0">
+                <a:solidFill>
+                  <a:schemeClr val="accent6">
+                    <a:lumMod val="50000"/>
+                  </a:schemeClr>
+                </a:solidFill>
+              </a:rPr>
+              <a:t>&gt;() );</a:t>
+            </a:r>
+          </a:p>
+          <a:p>
+            <a:r>
+              <a:rPr lang="en-US" sz="2000" dirty="0">
                 <a:solidFill>
                   <a:schemeClr val="accent6">
                     <a:lumMod val="50000"/>
@@ -5706,329 +6366,13 @@
               </a:rPr>
               <a:t>}</a:t>
             </a:r>
-          </a:p>
-          <a:p>
-            <a:endParaRPr lang="en-US" dirty="0">
-              <a:solidFill>
-                <a:schemeClr val="accent6">
-                  <a:lumMod val="50000"/>
-                </a:schemeClr>
-              </a:solidFill>
-            </a:endParaRPr>
-          </a:p>
-        </p:txBody>
-      </p:sp>
-      <p:sp>
-        <p:nvSpPr>
-          <p:cNvPr id="5" name="TextBox 4"/>
-          <p:cNvSpPr txBox="1"/>
-          <p:nvPr/>
-        </p:nvSpPr>
-        <p:spPr>
-          <a:xfrm>
-            <a:off x="4267200" y="3505200"/>
-            <a:ext cx="4724400" cy="2031325"/>
-          </a:xfrm>
-          <a:prstGeom prst="rect">
-            <a:avLst/>
-          </a:prstGeom>
-          <a:noFill/>
-        </p:spPr>
-        <p:txBody>
-          <a:bodyPr wrap="square" rtlCol="0">
-            <a:spAutoFit/>
-          </a:bodyPr>
-          <a:lstStyle/>
-          <a:p>
-            <a:r>
-              <a:rPr lang="en-US" dirty="0" smtClean="0">
-                <a:solidFill>
-                  <a:schemeClr val="accent6">
-                    <a:lumMod val="50000"/>
-                  </a:schemeClr>
-                </a:solidFill>
-              </a:rPr>
-              <a:t>void </a:t>
-            </a:r>
-            <a:r>
-              <a:rPr lang="en-US" dirty="0" err="1" smtClean="0">
-                <a:solidFill>
-                  <a:srgbClr val="00B0F0"/>
-                </a:solidFill>
-              </a:rPr>
-              <a:t>TypeInfo</a:t>
-            </a:r>
-            <a:r>
-              <a:rPr lang="en-US" dirty="0" smtClean="0">
-                <a:solidFill>
-                  <a:schemeClr val="accent6">
-                    <a:lumMod val="50000"/>
-                  </a:schemeClr>
-                </a:solidFill>
-              </a:rPr>
-              <a:t>::Serialize(File&amp; file,</a:t>
-            </a:r>
-            <a:r>
-              <a:rPr lang="en-US" dirty="0" smtClean="0">
-                <a:solidFill>
-                  <a:srgbClr val="FF0000"/>
-                </a:solidFill>
-              </a:rPr>
-              <a:t> Variable </a:t>
-            </a:r>
-            <a:r>
-              <a:rPr lang="en-US" dirty="0" err="1" smtClean="0">
-                <a:solidFill>
-                  <a:schemeClr val="accent6">
-                    <a:lumMod val="50000"/>
-                  </a:schemeClr>
-                </a:solidFill>
-              </a:rPr>
-              <a:t>var</a:t>
-            </a:r>
-            <a:r>
-              <a:rPr lang="en-US" dirty="0" smtClean="0">
-                <a:solidFill>
-                  <a:schemeClr val="accent6">
-                    <a:lumMod val="50000"/>
-                  </a:schemeClr>
-                </a:solidFill>
-              </a:rPr>
-              <a:t>)</a:t>
-            </a:r>
-          </a:p>
-          <a:p>
-            <a:r>
-              <a:rPr lang="en-US" dirty="0" smtClean="0">
-                <a:solidFill>
-                  <a:schemeClr val="accent6">
-                    <a:lumMod val="50000"/>
-                  </a:schemeClr>
-                </a:solidFill>
-              </a:rPr>
-              <a:t>{</a:t>
-            </a:r>
-          </a:p>
-          <a:p>
-            <a:r>
-              <a:rPr lang="en-US" dirty="0">
-                <a:solidFill>
-                  <a:schemeClr val="accent6">
-                    <a:lumMod val="50000"/>
-                  </a:schemeClr>
-                </a:solidFill>
-              </a:rPr>
-              <a:t> </a:t>
-            </a:r>
-            <a:r>
-              <a:rPr lang="en-US" dirty="0" smtClean="0">
-                <a:solidFill>
-                  <a:schemeClr val="accent6">
-                    <a:lumMod val="50000"/>
-                  </a:schemeClr>
-                </a:solidFill>
-              </a:rPr>
-              <a:t> if (</a:t>
-            </a:r>
-            <a:r>
-              <a:rPr lang="en-US" dirty="0" err="1" smtClean="0">
-                <a:solidFill>
-                  <a:schemeClr val="accent6">
-                    <a:lumMod val="50000"/>
-                  </a:schemeClr>
-                </a:solidFill>
-              </a:rPr>
-              <a:t>m_serialize</a:t>
-            </a:r>
-            <a:r>
-              <a:rPr lang="en-US" dirty="0" smtClean="0">
-                <a:solidFill>
-                  <a:schemeClr val="accent6">
-                    <a:lumMod val="50000"/>
-                  </a:schemeClr>
-                </a:solidFill>
-              </a:rPr>
-              <a:t> != NULL)</a:t>
-            </a:r>
-          </a:p>
-          <a:p>
-            <a:r>
-              <a:rPr lang="en-US" dirty="0">
-                <a:solidFill>
-                  <a:schemeClr val="accent6">
-                    <a:lumMod val="50000"/>
-                  </a:schemeClr>
-                </a:solidFill>
-              </a:rPr>
-              <a:t> </a:t>
-            </a:r>
-            <a:r>
-              <a:rPr lang="en-US" dirty="0" smtClean="0">
-                <a:solidFill>
-                  <a:schemeClr val="accent6">
-                    <a:lumMod val="50000"/>
-                  </a:schemeClr>
-                </a:solidFill>
-              </a:rPr>
-              <a:t>   </a:t>
-            </a:r>
-            <a:r>
-              <a:rPr lang="en-US" dirty="0" err="1" smtClean="0">
-                <a:solidFill>
-                  <a:schemeClr val="accent6">
-                    <a:lumMod val="50000"/>
-                  </a:schemeClr>
-                </a:solidFill>
-              </a:rPr>
-              <a:t>m_serialize</a:t>
-            </a:r>
-            <a:r>
-              <a:rPr lang="en-US" dirty="0" smtClean="0">
-                <a:solidFill>
-                  <a:schemeClr val="accent6">
-                    <a:lumMod val="50000"/>
-                  </a:schemeClr>
-                </a:solidFill>
-              </a:rPr>
-              <a:t>(file, </a:t>
-            </a:r>
-            <a:r>
-              <a:rPr lang="en-US" dirty="0" err="1" smtClean="0">
-                <a:solidFill>
-                  <a:schemeClr val="accent6">
-                    <a:lumMod val="50000"/>
-                  </a:schemeClr>
-                </a:solidFill>
-              </a:rPr>
-              <a:t>var</a:t>
-            </a:r>
-            <a:r>
-              <a:rPr lang="en-US" dirty="0" smtClean="0">
-                <a:solidFill>
-                  <a:schemeClr val="accent6">
-                    <a:lumMod val="50000"/>
-                  </a:schemeClr>
-                </a:solidFill>
-              </a:rPr>
-              <a:t>);</a:t>
-            </a:r>
-          </a:p>
-          <a:p>
-            <a:r>
-              <a:rPr lang="en-US" dirty="0">
-                <a:solidFill>
-                  <a:schemeClr val="accent6">
-                    <a:lumMod val="50000"/>
-                  </a:schemeClr>
-                </a:solidFill>
-              </a:rPr>
-              <a:t> </a:t>
-            </a:r>
-            <a:r>
-              <a:rPr lang="en-US" dirty="0" smtClean="0">
-                <a:solidFill>
-                  <a:schemeClr val="accent6">
-                    <a:lumMod val="50000"/>
-                  </a:schemeClr>
-                </a:solidFill>
-              </a:rPr>
-              <a:t> else</a:t>
-            </a:r>
-          </a:p>
-          <a:p>
-            <a:r>
-              <a:rPr lang="en-US" dirty="0">
-                <a:solidFill>
-                  <a:schemeClr val="accent6">
-                    <a:lumMod val="50000"/>
-                  </a:schemeClr>
-                </a:solidFill>
-              </a:rPr>
-              <a:t> </a:t>
-            </a:r>
-            <a:r>
-              <a:rPr lang="en-US" dirty="0" smtClean="0">
-                <a:solidFill>
-                  <a:schemeClr val="accent6">
-                    <a:lumMod val="50000"/>
-                  </a:schemeClr>
-                </a:solidFill>
-              </a:rPr>
-              <a:t>    </a:t>
-            </a:r>
-            <a:r>
-              <a:rPr lang="en-US" dirty="0" err="1" smtClean="0">
-                <a:solidFill>
-                  <a:schemeClr val="accent6">
-                    <a:lumMod val="50000"/>
-                  </a:schemeClr>
-                </a:solidFill>
-              </a:rPr>
-              <a:t>DefaultSerializer</a:t>
-            </a:r>
-            <a:r>
-              <a:rPr lang="en-US" dirty="0" smtClean="0">
-                <a:solidFill>
-                  <a:schemeClr val="accent6">
-                    <a:lumMod val="50000"/>
-                  </a:schemeClr>
-                </a:solidFill>
-              </a:rPr>
-              <a:t>(file, </a:t>
-            </a:r>
-            <a:r>
-              <a:rPr lang="en-US" dirty="0" err="1" smtClean="0">
-                <a:solidFill>
-                  <a:schemeClr val="accent6">
-                    <a:lumMod val="50000"/>
-                  </a:schemeClr>
-                </a:solidFill>
-              </a:rPr>
-              <a:t>var</a:t>
-            </a:r>
-            <a:r>
-              <a:rPr lang="en-US" dirty="0" smtClean="0">
-                <a:solidFill>
-                  <a:schemeClr val="accent6">
-                    <a:lumMod val="50000"/>
-                  </a:schemeClr>
-                </a:solidFill>
-              </a:rPr>
-              <a:t>);</a:t>
-            </a:r>
-            <a:endParaRPr lang="en-US" dirty="0">
-              <a:solidFill>
-                <a:schemeClr val="accent6">
-                  <a:lumMod val="50000"/>
-                </a:schemeClr>
-              </a:solidFill>
-            </a:endParaRPr>
-          </a:p>
-          <a:p>
-            <a:r>
-              <a:rPr lang="en-US" dirty="0" smtClean="0">
-                <a:solidFill>
-                  <a:schemeClr val="accent6">
-                    <a:lumMod val="50000"/>
-                  </a:schemeClr>
-                </a:solidFill>
-              </a:rPr>
-              <a:t>}</a:t>
-            </a:r>
-            <a:endParaRPr lang="en-US" dirty="0">
-              <a:solidFill>
-                <a:schemeClr val="accent6">
-                  <a:lumMod val="50000"/>
-                </a:schemeClr>
-              </a:solidFill>
-            </a:endParaRPr>
           </a:p>
         </p:txBody>
       </p:sp>
     </p:spTree>
     <p:extLst>
       <p:ext uri="{BB962C8B-B14F-4D97-AF65-F5344CB8AC3E}">
-        <p14:creationId xmlns:p14="http://schemas.microsoft.com/office/powerpoint/2010/main" val="3450839552"/>
+        <p14:creationId xmlns:p14="http://schemas.microsoft.com/office/powerpoint/2010/main" val="3315512168"/>
       </p:ext>
     </p:extLst>
   </p:cSld>
@@ -6064,6 +6408,912 @@
       </p:grpSpPr>
       <p:sp>
         <p:nvSpPr>
+          <p:cNvPr id="2" name="Content Placeholder 1"/>
+          <p:cNvSpPr>
+            <a:spLocks noGrp="1"/>
+          </p:cNvSpPr>
+          <p:nvPr>
+            <p:ph idx="1"/>
+          </p:nvPr>
+        </p:nvSpPr>
+        <p:spPr/>
+        <p:txBody>
+          <a:bodyPr/>
+          <a:lstStyle/>
+          <a:p>
+            <a:r>
+              <a:rPr lang="en-US" dirty="0" smtClean="0"/>
+              <a:t>What if we stored how to serialize types inside of their </a:t>
+            </a:r>
+            <a:r>
+              <a:rPr lang="en-US" dirty="0" err="1" smtClean="0">
+                <a:solidFill>
+                  <a:srgbClr val="00B0F0"/>
+                </a:solidFill>
+              </a:rPr>
+              <a:t>TypeInfo</a:t>
+            </a:r>
+            <a:r>
+              <a:rPr lang="en-US" dirty="0" smtClean="0"/>
+              <a:t> class?</a:t>
+            </a:r>
+            <a:endParaRPr lang="en-US" dirty="0"/>
+          </a:p>
+        </p:txBody>
+      </p:sp>
+      <p:sp>
+        <p:nvSpPr>
+          <p:cNvPr id="3" name="Title 2"/>
+          <p:cNvSpPr>
+            <a:spLocks noGrp="1"/>
+          </p:cNvSpPr>
+          <p:nvPr>
+            <p:ph type="title"/>
+          </p:nvPr>
+        </p:nvSpPr>
+        <p:spPr/>
+        <p:txBody>
+          <a:bodyPr/>
+          <a:lstStyle/>
+          <a:p>
+            <a:r>
+              <a:rPr lang="en-US" dirty="0" err="1" smtClean="0"/>
+              <a:t>Typeinfo</a:t>
+            </a:r>
+            <a:r>
+              <a:rPr lang="en-US" dirty="0" smtClean="0"/>
+              <a:t>::serialize</a:t>
+            </a:r>
+            <a:endParaRPr lang="en-US" dirty="0"/>
+          </a:p>
+        </p:txBody>
+      </p:sp>
+      <p:sp>
+        <p:nvSpPr>
+          <p:cNvPr id="4" name="TextBox 3"/>
+          <p:cNvSpPr txBox="1"/>
+          <p:nvPr/>
+        </p:nvSpPr>
+        <p:spPr>
+          <a:xfrm>
+            <a:off x="214223" y="2602302"/>
+            <a:ext cx="4419600" cy="3662541"/>
+          </a:xfrm>
+          <a:prstGeom prst="rect">
+            <a:avLst/>
+          </a:prstGeom>
+          <a:noFill/>
+        </p:spPr>
+        <p:txBody>
+          <a:bodyPr wrap="square" rtlCol="0">
+            <a:spAutoFit/>
+          </a:bodyPr>
+          <a:lstStyle/>
+          <a:p>
+            <a:r>
+              <a:rPr lang="en-US" sz="1600" dirty="0" smtClean="0">
+                <a:solidFill>
+                  <a:schemeClr val="bg2">
+                    <a:lumMod val="50000"/>
+                  </a:schemeClr>
+                </a:solidFill>
+              </a:rPr>
+              <a:t>// Create a type for serialize </a:t>
+            </a:r>
+            <a:r>
+              <a:rPr lang="en-US" sz="1600" dirty="0" err="1" smtClean="0">
+                <a:solidFill>
+                  <a:schemeClr val="bg2">
+                    <a:lumMod val="50000"/>
+                  </a:schemeClr>
+                </a:solidFill>
+              </a:rPr>
+              <a:t>functons</a:t>
+            </a:r>
+            <a:endParaRPr lang="en-US" sz="1600" dirty="0" smtClean="0">
+              <a:solidFill>
+                <a:schemeClr val="bg2">
+                  <a:lumMod val="50000"/>
+                </a:schemeClr>
+              </a:solidFill>
+            </a:endParaRPr>
+          </a:p>
+          <a:p>
+            <a:r>
+              <a:rPr lang="en-US" dirty="0" err="1" smtClean="0">
+                <a:solidFill>
+                  <a:schemeClr val="accent6">
+                    <a:lumMod val="50000"/>
+                  </a:schemeClr>
+                </a:solidFill>
+              </a:rPr>
+              <a:t>typedef</a:t>
+            </a:r>
+            <a:r>
+              <a:rPr lang="en-US" dirty="0" smtClean="0">
+                <a:solidFill>
+                  <a:schemeClr val="accent6">
+                    <a:lumMod val="50000"/>
+                  </a:schemeClr>
+                </a:solidFill>
+              </a:rPr>
+              <a:t> void (*</a:t>
+            </a:r>
+            <a:r>
+              <a:rPr lang="en-US" dirty="0" err="1" smtClean="0">
+                <a:solidFill>
+                  <a:schemeClr val="accent6">
+                    <a:lumMod val="50000"/>
+                  </a:schemeClr>
+                </a:solidFill>
+              </a:rPr>
+              <a:t>SerializeCB</a:t>
+            </a:r>
+            <a:r>
+              <a:rPr lang="en-US" dirty="0" smtClean="0">
+                <a:solidFill>
+                  <a:schemeClr val="accent6">
+                    <a:lumMod val="50000"/>
+                  </a:schemeClr>
+                </a:solidFill>
+              </a:rPr>
+              <a:t>)(File&amp;, </a:t>
+            </a:r>
+            <a:r>
+              <a:rPr lang="en-US" dirty="0" smtClean="0">
+                <a:solidFill>
+                  <a:srgbClr val="FF0000"/>
+                </a:solidFill>
+              </a:rPr>
+              <a:t>Variable</a:t>
+            </a:r>
+            <a:r>
+              <a:rPr lang="en-US" dirty="0" smtClean="0">
+                <a:solidFill>
+                  <a:schemeClr val="accent6">
+                    <a:lumMod val="50000"/>
+                  </a:schemeClr>
+                </a:solidFill>
+              </a:rPr>
+              <a:t>)</a:t>
+            </a:r>
+          </a:p>
+          <a:p>
+            <a:endParaRPr lang="en-US" dirty="0">
+              <a:solidFill>
+                <a:schemeClr val="accent6">
+                  <a:lumMod val="50000"/>
+                </a:schemeClr>
+              </a:solidFill>
+            </a:endParaRPr>
+          </a:p>
+          <a:p>
+            <a:r>
+              <a:rPr lang="en-US" dirty="0" smtClean="0">
+                <a:solidFill>
+                  <a:schemeClr val="accent6">
+                    <a:lumMod val="50000"/>
+                  </a:schemeClr>
+                </a:solidFill>
+              </a:rPr>
+              <a:t>class </a:t>
+            </a:r>
+            <a:r>
+              <a:rPr lang="en-US" dirty="0" err="1" smtClean="0">
+                <a:solidFill>
+                  <a:srgbClr val="00B0F0"/>
+                </a:solidFill>
+              </a:rPr>
+              <a:t>TypeInfo</a:t>
+            </a:r>
+            <a:r>
+              <a:rPr lang="en-US" dirty="0" smtClean="0">
+                <a:solidFill>
+                  <a:srgbClr val="00B0F0"/>
+                </a:solidFill>
+              </a:rPr>
+              <a:t> </a:t>
+            </a:r>
+          </a:p>
+          <a:p>
+            <a:r>
+              <a:rPr lang="en-US" dirty="0" smtClean="0">
+                <a:solidFill>
+                  <a:schemeClr val="accent6">
+                    <a:lumMod val="50000"/>
+                  </a:schemeClr>
+                </a:solidFill>
+              </a:rPr>
+              <a:t>{</a:t>
+            </a:r>
+          </a:p>
+          <a:p>
+            <a:r>
+              <a:rPr lang="en-US" dirty="0" smtClean="0">
+                <a:solidFill>
+                  <a:schemeClr val="accent6">
+                    <a:lumMod val="50000"/>
+                  </a:schemeClr>
+                </a:solidFill>
+              </a:rPr>
+              <a:t>public:</a:t>
+            </a:r>
+          </a:p>
+          <a:p>
+            <a:r>
+              <a:rPr lang="en-US" dirty="0">
+                <a:solidFill>
+                  <a:schemeClr val="accent6">
+                    <a:lumMod val="50000"/>
+                  </a:schemeClr>
+                </a:solidFill>
+              </a:rPr>
+              <a:t> </a:t>
+            </a:r>
+            <a:r>
+              <a:rPr lang="en-US" dirty="0" smtClean="0">
+                <a:solidFill>
+                  <a:schemeClr val="accent6">
+                    <a:lumMod val="50000"/>
+                  </a:schemeClr>
+                </a:solidFill>
+              </a:rPr>
+              <a:t> unsigned </a:t>
+            </a:r>
+            <a:r>
+              <a:rPr lang="en-US" dirty="0" err="1" smtClean="0">
+                <a:solidFill>
+                  <a:schemeClr val="accent6">
+                    <a:lumMod val="50000"/>
+                  </a:schemeClr>
+                </a:solidFill>
+              </a:rPr>
+              <a:t>m_size</a:t>
+            </a:r>
+            <a:r>
+              <a:rPr lang="en-US" dirty="0" smtClean="0">
+                <a:solidFill>
+                  <a:schemeClr val="accent6">
+                    <a:lumMod val="50000"/>
+                  </a:schemeClr>
+                </a:solidFill>
+              </a:rPr>
+              <a:t>;</a:t>
+            </a:r>
+          </a:p>
+          <a:p>
+            <a:r>
+              <a:rPr lang="en-US" dirty="0">
+                <a:solidFill>
+                  <a:schemeClr val="accent6">
+                    <a:lumMod val="50000"/>
+                  </a:schemeClr>
+                </a:solidFill>
+              </a:rPr>
+              <a:t> </a:t>
+            </a:r>
+            <a:r>
+              <a:rPr lang="en-US" dirty="0" smtClean="0">
+                <a:solidFill>
+                  <a:schemeClr val="accent6">
+                    <a:lumMod val="50000"/>
+                  </a:schemeClr>
+                </a:solidFill>
+              </a:rPr>
+              <a:t> </a:t>
+            </a:r>
+            <a:r>
+              <a:rPr lang="en-US" dirty="0" err="1" smtClean="0">
+                <a:solidFill>
+                  <a:schemeClr val="accent6">
+                    <a:lumMod val="50000"/>
+                  </a:schemeClr>
+                </a:solidFill>
+              </a:rPr>
+              <a:t>std</a:t>
+            </a:r>
+            <a:r>
+              <a:rPr lang="en-US" dirty="0" smtClean="0">
+                <a:solidFill>
+                  <a:schemeClr val="accent6">
+                    <a:lumMod val="50000"/>
+                  </a:schemeClr>
+                </a:solidFill>
+              </a:rPr>
+              <a:t>::string </a:t>
+            </a:r>
+            <a:r>
+              <a:rPr lang="en-US" dirty="0" err="1" smtClean="0">
+                <a:solidFill>
+                  <a:schemeClr val="accent6">
+                    <a:lumMod val="50000"/>
+                  </a:schemeClr>
+                </a:solidFill>
+              </a:rPr>
+              <a:t>m_name</a:t>
+            </a:r>
+            <a:r>
+              <a:rPr lang="en-US" dirty="0" smtClean="0">
+                <a:solidFill>
+                  <a:schemeClr val="accent6">
+                    <a:lumMod val="50000"/>
+                  </a:schemeClr>
+                </a:solidFill>
+              </a:rPr>
+              <a:t>;</a:t>
+            </a:r>
+          </a:p>
+          <a:p>
+            <a:r>
+              <a:rPr lang="en-US" dirty="0">
+                <a:solidFill>
+                  <a:schemeClr val="accent6">
+                    <a:lumMod val="50000"/>
+                  </a:schemeClr>
+                </a:solidFill>
+              </a:rPr>
+              <a:t> </a:t>
+            </a:r>
+            <a:r>
+              <a:rPr lang="en-US" dirty="0" smtClean="0">
+                <a:solidFill>
+                  <a:schemeClr val="accent6">
+                    <a:lumMod val="50000"/>
+                  </a:schemeClr>
+                </a:solidFill>
+              </a:rPr>
+              <a:t> </a:t>
+            </a:r>
+            <a:r>
+              <a:rPr lang="en-US" dirty="0" err="1" smtClean="0">
+                <a:solidFill>
+                  <a:schemeClr val="accent6">
+                    <a:lumMod val="50000"/>
+                  </a:schemeClr>
+                </a:solidFill>
+              </a:rPr>
+              <a:t>std</a:t>
+            </a:r>
+            <a:r>
+              <a:rPr lang="en-US" dirty="0" smtClean="0">
+                <a:solidFill>
+                  <a:schemeClr val="accent6">
+                    <a:lumMod val="50000"/>
+                  </a:schemeClr>
+                </a:solidFill>
+              </a:rPr>
+              <a:t>::vector&lt;</a:t>
+            </a:r>
+            <a:r>
+              <a:rPr lang="en-US" dirty="0" smtClean="0">
+                <a:solidFill>
+                  <a:srgbClr val="00B050"/>
+                </a:solidFill>
+              </a:rPr>
+              <a:t>Member</a:t>
+            </a:r>
+            <a:r>
+              <a:rPr lang="en-US" dirty="0" smtClean="0">
+                <a:solidFill>
+                  <a:schemeClr val="accent6">
+                    <a:lumMod val="50000"/>
+                  </a:schemeClr>
+                </a:solidFill>
+              </a:rPr>
+              <a:t>&gt; </a:t>
+            </a:r>
+            <a:r>
+              <a:rPr lang="en-US" dirty="0" err="1" smtClean="0">
+                <a:solidFill>
+                  <a:schemeClr val="accent6">
+                    <a:lumMod val="50000"/>
+                  </a:schemeClr>
+                </a:solidFill>
+              </a:rPr>
+              <a:t>m_members</a:t>
+            </a:r>
+            <a:r>
+              <a:rPr lang="en-US" dirty="0" smtClean="0">
+                <a:solidFill>
+                  <a:schemeClr val="accent6">
+                    <a:lumMod val="50000"/>
+                  </a:schemeClr>
+                </a:solidFill>
+              </a:rPr>
+              <a:t>;</a:t>
+            </a:r>
+          </a:p>
+          <a:p>
+            <a:r>
+              <a:rPr lang="en-US" dirty="0">
+                <a:solidFill>
+                  <a:schemeClr val="accent6">
+                    <a:lumMod val="50000"/>
+                  </a:schemeClr>
+                </a:solidFill>
+              </a:rPr>
+              <a:t> </a:t>
+            </a:r>
+            <a:r>
+              <a:rPr lang="en-US" dirty="0" smtClean="0">
+                <a:solidFill>
+                  <a:schemeClr val="accent6">
+                    <a:lumMod val="50000"/>
+                  </a:schemeClr>
+                </a:solidFill>
+              </a:rPr>
+              <a:t> </a:t>
+            </a:r>
+            <a:r>
+              <a:rPr lang="en-US" dirty="0" err="1" smtClean="0">
+                <a:solidFill>
+                  <a:schemeClr val="accent6">
+                    <a:lumMod val="50000"/>
+                  </a:schemeClr>
+                </a:solidFill>
+              </a:rPr>
+              <a:t>SerializeCB</a:t>
+            </a:r>
+            <a:r>
+              <a:rPr lang="en-US" dirty="0" smtClean="0">
+                <a:solidFill>
+                  <a:schemeClr val="accent6">
+                    <a:lumMod val="50000"/>
+                  </a:schemeClr>
+                </a:solidFill>
+              </a:rPr>
+              <a:t> </a:t>
+            </a:r>
+            <a:r>
+              <a:rPr lang="en-US" dirty="0" err="1" smtClean="0">
+                <a:solidFill>
+                  <a:schemeClr val="accent6">
+                    <a:lumMod val="50000"/>
+                  </a:schemeClr>
+                </a:solidFill>
+              </a:rPr>
+              <a:t>m_serialize</a:t>
+            </a:r>
+            <a:r>
+              <a:rPr lang="en-US" dirty="0" smtClean="0">
+                <a:solidFill>
+                  <a:schemeClr val="accent6">
+                    <a:lumMod val="50000"/>
+                  </a:schemeClr>
+                </a:solidFill>
+              </a:rPr>
+              <a:t>;</a:t>
+            </a:r>
+          </a:p>
+          <a:p>
+            <a:r>
+              <a:rPr lang="en-US" dirty="0">
+                <a:solidFill>
+                  <a:schemeClr val="accent6">
+                    <a:lumMod val="50000"/>
+                  </a:schemeClr>
+                </a:solidFill>
+              </a:rPr>
+              <a:t> </a:t>
+            </a:r>
+            <a:r>
+              <a:rPr lang="en-US" dirty="0" smtClean="0">
+                <a:solidFill>
+                  <a:schemeClr val="accent6">
+                    <a:lumMod val="50000"/>
+                  </a:schemeClr>
+                </a:solidFill>
+              </a:rPr>
+              <a:t> void Serialize(File&amp; file, </a:t>
+            </a:r>
+            <a:r>
+              <a:rPr lang="en-US" dirty="0" smtClean="0">
+                <a:solidFill>
+                  <a:srgbClr val="FF0000"/>
+                </a:solidFill>
+              </a:rPr>
+              <a:t>Variable</a:t>
+            </a:r>
+            <a:r>
+              <a:rPr lang="en-US" dirty="0" smtClean="0">
+                <a:solidFill>
+                  <a:schemeClr val="accent6">
+                    <a:lumMod val="50000"/>
+                  </a:schemeClr>
+                </a:solidFill>
+              </a:rPr>
+              <a:t> </a:t>
+            </a:r>
+            <a:r>
+              <a:rPr lang="en-US" dirty="0" err="1" smtClean="0">
+                <a:solidFill>
+                  <a:schemeClr val="accent6">
+                    <a:lumMod val="50000"/>
+                  </a:schemeClr>
+                </a:solidFill>
+              </a:rPr>
+              <a:t>var</a:t>
+            </a:r>
+            <a:r>
+              <a:rPr lang="en-US" dirty="0" smtClean="0">
+                <a:solidFill>
+                  <a:schemeClr val="accent6">
+                    <a:lumMod val="50000"/>
+                  </a:schemeClr>
+                </a:solidFill>
+              </a:rPr>
+              <a:t>);</a:t>
+            </a:r>
+          </a:p>
+          <a:p>
+            <a:r>
+              <a:rPr lang="en-US" dirty="0" smtClean="0">
+                <a:solidFill>
+                  <a:schemeClr val="accent6">
+                    <a:lumMod val="50000"/>
+                  </a:schemeClr>
+                </a:solidFill>
+              </a:rPr>
+              <a:t>}</a:t>
+            </a:r>
+          </a:p>
+          <a:p>
+            <a:endParaRPr lang="en-US" dirty="0">
+              <a:solidFill>
+                <a:schemeClr val="accent6">
+                  <a:lumMod val="50000"/>
+                </a:schemeClr>
+              </a:solidFill>
+            </a:endParaRPr>
+          </a:p>
+        </p:txBody>
+      </p:sp>
+      <p:sp>
+        <p:nvSpPr>
+          <p:cNvPr id="5" name="TextBox 4"/>
+          <p:cNvSpPr txBox="1"/>
+          <p:nvPr/>
+        </p:nvSpPr>
+        <p:spPr>
+          <a:xfrm>
+            <a:off x="4267200" y="3505200"/>
+            <a:ext cx="4724400" cy="2031325"/>
+          </a:xfrm>
+          <a:prstGeom prst="rect">
+            <a:avLst/>
+          </a:prstGeom>
+          <a:noFill/>
+        </p:spPr>
+        <p:txBody>
+          <a:bodyPr wrap="square" rtlCol="0">
+            <a:spAutoFit/>
+          </a:bodyPr>
+          <a:lstStyle/>
+          <a:p>
+            <a:r>
+              <a:rPr lang="en-US" dirty="0" smtClean="0">
+                <a:solidFill>
+                  <a:schemeClr val="accent6">
+                    <a:lumMod val="50000"/>
+                  </a:schemeClr>
+                </a:solidFill>
+              </a:rPr>
+              <a:t>void </a:t>
+            </a:r>
+            <a:r>
+              <a:rPr lang="en-US" dirty="0" err="1" smtClean="0">
+                <a:solidFill>
+                  <a:srgbClr val="00B0F0"/>
+                </a:solidFill>
+              </a:rPr>
+              <a:t>TypeInfo</a:t>
+            </a:r>
+            <a:r>
+              <a:rPr lang="en-US" dirty="0" smtClean="0">
+                <a:solidFill>
+                  <a:schemeClr val="accent6">
+                    <a:lumMod val="50000"/>
+                  </a:schemeClr>
+                </a:solidFill>
+              </a:rPr>
+              <a:t>::Serialize(File&amp; file,</a:t>
+            </a:r>
+            <a:r>
+              <a:rPr lang="en-US" dirty="0" smtClean="0">
+                <a:solidFill>
+                  <a:srgbClr val="FF0000"/>
+                </a:solidFill>
+              </a:rPr>
+              <a:t> Variable </a:t>
+            </a:r>
+            <a:r>
+              <a:rPr lang="en-US" dirty="0" err="1" smtClean="0">
+                <a:solidFill>
+                  <a:schemeClr val="accent6">
+                    <a:lumMod val="50000"/>
+                  </a:schemeClr>
+                </a:solidFill>
+              </a:rPr>
+              <a:t>var</a:t>
+            </a:r>
+            <a:r>
+              <a:rPr lang="en-US" dirty="0" smtClean="0">
+                <a:solidFill>
+                  <a:schemeClr val="accent6">
+                    <a:lumMod val="50000"/>
+                  </a:schemeClr>
+                </a:solidFill>
+              </a:rPr>
+              <a:t>)</a:t>
+            </a:r>
+          </a:p>
+          <a:p>
+            <a:r>
+              <a:rPr lang="en-US" dirty="0" smtClean="0">
+                <a:solidFill>
+                  <a:schemeClr val="accent6">
+                    <a:lumMod val="50000"/>
+                  </a:schemeClr>
+                </a:solidFill>
+              </a:rPr>
+              <a:t>{</a:t>
+            </a:r>
+          </a:p>
+          <a:p>
+            <a:r>
+              <a:rPr lang="en-US" dirty="0">
+                <a:solidFill>
+                  <a:schemeClr val="accent6">
+                    <a:lumMod val="50000"/>
+                  </a:schemeClr>
+                </a:solidFill>
+              </a:rPr>
+              <a:t> </a:t>
+            </a:r>
+            <a:r>
+              <a:rPr lang="en-US" dirty="0" smtClean="0">
+                <a:solidFill>
+                  <a:schemeClr val="accent6">
+                    <a:lumMod val="50000"/>
+                  </a:schemeClr>
+                </a:solidFill>
+              </a:rPr>
+              <a:t> if (</a:t>
+            </a:r>
+            <a:r>
+              <a:rPr lang="en-US" dirty="0" err="1" smtClean="0">
+                <a:solidFill>
+                  <a:schemeClr val="accent6">
+                    <a:lumMod val="50000"/>
+                  </a:schemeClr>
+                </a:solidFill>
+              </a:rPr>
+              <a:t>m_serialize</a:t>
+            </a:r>
+            <a:r>
+              <a:rPr lang="en-US" dirty="0" smtClean="0">
+                <a:solidFill>
+                  <a:schemeClr val="accent6">
+                    <a:lumMod val="50000"/>
+                  </a:schemeClr>
+                </a:solidFill>
+              </a:rPr>
+              <a:t> != NULL)</a:t>
+            </a:r>
+          </a:p>
+          <a:p>
+            <a:r>
+              <a:rPr lang="en-US" dirty="0">
+                <a:solidFill>
+                  <a:schemeClr val="accent6">
+                    <a:lumMod val="50000"/>
+                  </a:schemeClr>
+                </a:solidFill>
+              </a:rPr>
+              <a:t> </a:t>
+            </a:r>
+            <a:r>
+              <a:rPr lang="en-US" dirty="0" smtClean="0">
+                <a:solidFill>
+                  <a:schemeClr val="accent6">
+                    <a:lumMod val="50000"/>
+                  </a:schemeClr>
+                </a:solidFill>
+              </a:rPr>
+              <a:t>   </a:t>
+            </a:r>
+            <a:r>
+              <a:rPr lang="en-US" dirty="0" err="1" smtClean="0">
+                <a:solidFill>
+                  <a:schemeClr val="accent6">
+                    <a:lumMod val="50000"/>
+                  </a:schemeClr>
+                </a:solidFill>
+              </a:rPr>
+              <a:t>m_serialize</a:t>
+            </a:r>
+            <a:r>
+              <a:rPr lang="en-US" dirty="0" smtClean="0">
+                <a:solidFill>
+                  <a:schemeClr val="accent6">
+                    <a:lumMod val="50000"/>
+                  </a:schemeClr>
+                </a:solidFill>
+              </a:rPr>
+              <a:t>(file, </a:t>
+            </a:r>
+            <a:r>
+              <a:rPr lang="en-US" dirty="0" err="1" smtClean="0">
+                <a:solidFill>
+                  <a:schemeClr val="accent6">
+                    <a:lumMod val="50000"/>
+                  </a:schemeClr>
+                </a:solidFill>
+              </a:rPr>
+              <a:t>var</a:t>
+            </a:r>
+            <a:r>
+              <a:rPr lang="en-US" dirty="0" smtClean="0">
+                <a:solidFill>
+                  <a:schemeClr val="accent6">
+                    <a:lumMod val="50000"/>
+                  </a:schemeClr>
+                </a:solidFill>
+              </a:rPr>
+              <a:t>);</a:t>
+            </a:r>
+          </a:p>
+          <a:p>
+            <a:r>
+              <a:rPr lang="en-US" dirty="0">
+                <a:solidFill>
+                  <a:schemeClr val="accent6">
+                    <a:lumMod val="50000"/>
+                  </a:schemeClr>
+                </a:solidFill>
+              </a:rPr>
+              <a:t> </a:t>
+            </a:r>
+            <a:r>
+              <a:rPr lang="en-US" dirty="0" smtClean="0">
+                <a:solidFill>
+                  <a:schemeClr val="accent6">
+                    <a:lumMod val="50000"/>
+                  </a:schemeClr>
+                </a:solidFill>
+              </a:rPr>
+              <a:t> else</a:t>
+            </a:r>
+          </a:p>
+          <a:p>
+            <a:r>
+              <a:rPr lang="en-US" dirty="0">
+                <a:solidFill>
+                  <a:schemeClr val="accent6">
+                    <a:lumMod val="50000"/>
+                  </a:schemeClr>
+                </a:solidFill>
+              </a:rPr>
+              <a:t> </a:t>
+            </a:r>
+            <a:r>
+              <a:rPr lang="en-US" dirty="0" smtClean="0">
+                <a:solidFill>
+                  <a:schemeClr val="accent6">
+                    <a:lumMod val="50000"/>
+                  </a:schemeClr>
+                </a:solidFill>
+              </a:rPr>
+              <a:t>    </a:t>
+            </a:r>
+            <a:r>
+              <a:rPr lang="en-US" dirty="0" err="1" smtClean="0">
+                <a:solidFill>
+                  <a:schemeClr val="accent6">
+                    <a:lumMod val="50000"/>
+                  </a:schemeClr>
+                </a:solidFill>
+              </a:rPr>
+              <a:t>DefaultSerializer</a:t>
+            </a:r>
+            <a:r>
+              <a:rPr lang="en-US" dirty="0" smtClean="0">
+                <a:solidFill>
+                  <a:schemeClr val="accent6">
+                    <a:lumMod val="50000"/>
+                  </a:schemeClr>
+                </a:solidFill>
+              </a:rPr>
+              <a:t>(file, </a:t>
+            </a:r>
+            <a:r>
+              <a:rPr lang="en-US" dirty="0" err="1" smtClean="0">
+                <a:solidFill>
+                  <a:schemeClr val="accent6">
+                    <a:lumMod val="50000"/>
+                  </a:schemeClr>
+                </a:solidFill>
+              </a:rPr>
+              <a:t>var</a:t>
+            </a:r>
+            <a:r>
+              <a:rPr lang="en-US" dirty="0" smtClean="0">
+                <a:solidFill>
+                  <a:schemeClr val="accent6">
+                    <a:lumMod val="50000"/>
+                  </a:schemeClr>
+                </a:solidFill>
+              </a:rPr>
+              <a:t>);</a:t>
+            </a:r>
+            <a:endParaRPr lang="en-US" dirty="0">
+              <a:solidFill>
+                <a:schemeClr val="accent6">
+                  <a:lumMod val="50000"/>
+                </a:schemeClr>
+              </a:solidFill>
+            </a:endParaRPr>
+          </a:p>
+          <a:p>
+            <a:r>
+              <a:rPr lang="en-US" dirty="0" smtClean="0">
+                <a:solidFill>
+                  <a:schemeClr val="accent6">
+                    <a:lumMod val="50000"/>
+                  </a:schemeClr>
+                </a:solidFill>
+              </a:rPr>
+              <a:t>}</a:t>
+            </a:r>
+            <a:endParaRPr lang="en-US" dirty="0">
+              <a:solidFill>
+                <a:schemeClr val="accent6">
+                  <a:lumMod val="50000"/>
+                </a:schemeClr>
+              </a:solidFill>
+            </a:endParaRPr>
+          </a:p>
+        </p:txBody>
+      </p:sp>
+    </p:spTree>
+    <p:extLst>
+      <p:ext uri="{BB962C8B-B14F-4D97-AF65-F5344CB8AC3E}">
+        <p14:creationId xmlns:p14="http://schemas.microsoft.com/office/powerpoint/2010/main" val="3450839552"/>
+      </p:ext>
+    </p:extLst>
+  </p:cSld>
+  <p:clrMapOvr>
+    <a:masterClrMapping/>
+  </p:clrMapOvr>
+  <p:timing>
+    <p:tnLst>
+      <p:par>
+        <p:cTn id="1" dur="indefinite" restart="never" nodeType="tmRoot"/>
+      </p:par>
+    </p:tnLst>
+  </p:timing>
+</p:sld>
+</file>
+
+<file path=ppt/slides/slide15.xml><?xml version="1.0" encoding="utf-8"?>
+<p:sld xmlns:a="http://schemas.openxmlformats.org/drawingml/2006/main" xmlns:r="http://schemas.openxmlformats.org/officeDocument/2006/relationships" xmlns:p="http://schemas.openxmlformats.org/presentationml/2006/main">
+  <p:cSld>
+    <p:spTree>
+      <p:nvGrpSpPr>
+        <p:cNvPr id="1" name=""/>
+        <p:cNvGrpSpPr/>
+        <p:nvPr/>
+      </p:nvGrpSpPr>
+      <p:grpSpPr>
+        <a:xfrm>
+          <a:off x="0" y="0"/>
+          <a:ext cx="0" cy="0"/>
+          <a:chOff x="0" y="0"/>
+          <a:chExt cx="0" cy="0"/>
+        </a:xfrm>
+      </p:grpSpPr>
+      <p:sp>
+        <p:nvSpPr>
           <p:cNvPr id="3" name="Title 2"/>
           <p:cNvSpPr>
             <a:spLocks noGrp="1"/>
@@ -6389,7 +7639,7 @@
 </p:sld>
 </file>
 
-<file path=ppt/slides/slide15.xml><?xml version="1.0" encoding="utf-8"?>
+<file path=ppt/slides/slide16.xml><?xml version="1.0" encoding="utf-8"?>
 <p:sld xmlns:a="http://schemas.openxmlformats.org/drawingml/2006/main" xmlns:r="http://schemas.openxmlformats.org/officeDocument/2006/relationships" xmlns:p="http://schemas.openxmlformats.org/presentationml/2006/main">
   <p:cSld>
     <p:spTree>
@@ -8548,7 +9798,11 @@
             </a:r>
             <a:r>
               <a:rPr lang="en-US" dirty="0" smtClean="0"/>
-              <a:t>))-&gt;foo)))</a:t>
+              <a:t>))-&gt;boo</a:t>
+            </a:r>
+            <a:r>
+              <a:rPr lang="en-US" dirty="0" smtClean="0"/>
+              <a:t>)))</a:t>
             </a:r>
             <a:endParaRPr lang="en-US" dirty="0"/>
           </a:p>
@@ -8881,6 +10135,110 @@
       </p:grpSpPr>
       <p:sp>
         <p:nvSpPr>
+          <p:cNvPr id="2" name="Content Placeholder 1"/>
+          <p:cNvSpPr>
+            <a:spLocks noGrp="1"/>
+          </p:cNvSpPr>
+          <p:nvPr>
+            <p:ph idx="1"/>
+          </p:nvPr>
+        </p:nvSpPr>
+        <p:spPr/>
+        <p:txBody>
+          <a:bodyPr/>
+          <a:lstStyle/>
+          <a:p>
+            <a:pPr marL="274320" lvl="1" indent="-228600">
+              <a:buClr>
+                <a:schemeClr val="accent1"/>
+              </a:buClr>
+              <a:buFont typeface="Wingdings 2" pitchFamily="18" charset="2"/>
+              <a:buChar char=""/>
+            </a:pPr>
+            <a:r>
+              <a:rPr lang="en-US" dirty="0"/>
+              <a:t>((unsigned)(&amp;((((Bar</a:t>
+            </a:r>
+            <a:r>
+              <a:rPr lang="en-US" dirty="0" smtClean="0"/>
+              <a:t>*)b1))-&gt;</a:t>
+            </a:r>
+            <a:r>
+              <a:rPr lang="en-US" dirty="0"/>
+              <a:t>boo</a:t>
+            </a:r>
+            <a:r>
+              <a:rPr lang="en-US" dirty="0" smtClean="0"/>
+              <a:t>))) - </a:t>
+            </a:r>
+            <a:r>
+              <a:rPr lang="en-US" dirty="0"/>
+              <a:t>((unsigned</a:t>
+            </a:r>
+            <a:r>
+              <a:rPr lang="en-US" dirty="0" smtClean="0"/>
+              <a:t>)(</a:t>
+            </a:r>
+            <a:r>
+              <a:rPr lang="en-US" dirty="0"/>
+              <a:t>Bar</a:t>
+            </a:r>
+            <a:r>
+              <a:rPr lang="en-US" dirty="0" smtClean="0"/>
+              <a:t>*)b1)</a:t>
+            </a:r>
+            <a:endParaRPr lang="en-US" dirty="0"/>
+          </a:p>
+          <a:p>
+            <a:pPr marL="274320" lvl="1" indent="-228600">
+              <a:buClr>
+                <a:schemeClr val="accent1"/>
+              </a:buClr>
+              <a:buFont typeface="Wingdings 2" pitchFamily="18" charset="2"/>
+              <a:buChar char=""/>
+            </a:pPr>
+            <a:endParaRPr lang="en-US" dirty="0"/>
+          </a:p>
+          <a:p>
+            <a:r>
+              <a:rPr lang="en-US" dirty="0"/>
+              <a:t>v</a:t>
+            </a:r>
+            <a:r>
+              <a:rPr lang="en-US" dirty="0" smtClean="0"/>
+              <a:t>oid* </a:t>
+            </a:r>
+            <a:r>
+              <a:rPr lang="en-US" dirty="0" err="1" smtClean="0"/>
+              <a:t>bn</a:t>
+            </a:r>
+            <a:r>
+              <a:rPr lang="en-US" dirty="0" smtClean="0"/>
+              <a:t> = (Bar</a:t>
+            </a:r>
+            <a:r>
+              <a:rPr lang="en-US" dirty="0"/>
+              <a:t>*)</a:t>
+            </a:r>
+            <a:r>
+              <a:rPr lang="en-US" dirty="0" smtClean="0"/>
+              <a:t>NULL</a:t>
+            </a:r>
+          </a:p>
+          <a:p>
+            <a:r>
+              <a:rPr lang="en-US" dirty="0" smtClean="0"/>
+              <a:t>void*</a:t>
+            </a:r>
+            <a:endParaRPr lang="en-US" dirty="0"/>
+          </a:p>
+          <a:p>
+            <a:endParaRPr lang="en-US" dirty="0"/>
+          </a:p>
+        </p:txBody>
+      </p:sp>
+      <p:sp>
+        <p:nvSpPr>
           <p:cNvPr id="3" name="Title 2"/>
           <p:cNvSpPr>
             <a:spLocks noGrp="1"/>
@@ -8894,1207 +10252,14 @@
           <a:bodyPr/>
           <a:lstStyle/>
           <a:p>
-            <a:r>
-              <a:rPr lang="en-US" dirty="0" smtClean="0"/>
-              <a:t>Recap</a:t>
-            </a:r>
-            <a:endParaRPr lang="en-US" dirty="0"/>
-          </a:p>
-        </p:txBody>
-      </p:sp>
-      <p:sp>
-        <p:nvSpPr>
-          <p:cNvPr id="4" name="TextBox 3"/>
-          <p:cNvSpPr txBox="1"/>
-          <p:nvPr/>
-        </p:nvSpPr>
-        <p:spPr>
-          <a:xfrm>
-            <a:off x="4114800" y="1667774"/>
-            <a:ext cx="4724400" cy="3631763"/>
-          </a:xfrm>
-          <a:prstGeom prst="rect">
-            <a:avLst/>
-          </a:prstGeom>
-          <a:noFill/>
-        </p:spPr>
-        <p:txBody>
-          <a:bodyPr wrap="square" rtlCol="0">
-            <a:spAutoFit/>
-          </a:bodyPr>
-          <a:lstStyle/>
-          <a:p>
-            <a:r>
-              <a:rPr lang="en-US" dirty="0" err="1" smtClean="0">
-                <a:solidFill>
-                  <a:schemeClr val="accent6">
-                    <a:lumMod val="50000"/>
-                  </a:schemeClr>
-                </a:solidFill>
-              </a:rPr>
-              <a:t>const</a:t>
-            </a:r>
-            <a:r>
-              <a:rPr lang="en-US" dirty="0" smtClean="0">
-                <a:solidFill>
-                  <a:schemeClr val="accent6">
-                    <a:lumMod val="50000"/>
-                  </a:schemeClr>
-                </a:solidFill>
-              </a:rPr>
-              <a:t> </a:t>
-            </a:r>
-            <a:r>
-              <a:rPr lang="en-US" dirty="0" err="1" smtClean="0">
-                <a:solidFill>
-                  <a:srgbClr val="00B0F0"/>
-                </a:solidFill>
-              </a:rPr>
-              <a:t>TypeInfo</a:t>
-            </a:r>
-            <a:r>
-              <a:rPr lang="en-US" dirty="0" smtClean="0">
-                <a:solidFill>
-                  <a:srgbClr val="00B0F0"/>
-                </a:solidFill>
-              </a:rPr>
-              <a:t>*</a:t>
-            </a:r>
-            <a:r>
-              <a:rPr lang="en-US" dirty="0" smtClean="0">
-                <a:solidFill>
-                  <a:schemeClr val="accent6">
-                    <a:lumMod val="50000"/>
-                  </a:schemeClr>
-                </a:solidFill>
-              </a:rPr>
-              <a:t> </a:t>
-            </a:r>
-            <a:r>
-              <a:rPr lang="en-US" dirty="0" smtClean="0">
-                <a:solidFill>
-                  <a:srgbClr val="00B0F0"/>
-                </a:solidFill>
-              </a:rPr>
-              <a:t>type</a:t>
-            </a:r>
-            <a:r>
-              <a:rPr lang="en-US" dirty="0" smtClean="0">
-                <a:solidFill>
-                  <a:schemeClr val="accent6">
-                    <a:lumMod val="50000"/>
-                  </a:schemeClr>
-                </a:solidFill>
-              </a:rPr>
-              <a:t> = GET_TYPE(Bar);</a:t>
-            </a:r>
-          </a:p>
-          <a:p>
-            <a:endParaRPr lang="en-US" dirty="0" smtClean="0">
-              <a:solidFill>
-                <a:schemeClr val="accent6">
-                  <a:lumMod val="50000"/>
-                </a:schemeClr>
-              </a:solidFill>
-            </a:endParaRPr>
-          </a:p>
-          <a:p>
-            <a:r>
-              <a:rPr lang="en-US" dirty="0" err="1" smtClean="0">
-                <a:solidFill>
-                  <a:schemeClr val="accent6">
-                    <a:lumMod val="50000"/>
-                  </a:schemeClr>
-                </a:solidFill>
-              </a:rPr>
-              <a:t>std</a:t>
-            </a:r>
-            <a:r>
-              <a:rPr lang="en-US" dirty="0" smtClean="0">
-                <a:solidFill>
-                  <a:schemeClr val="accent6">
-                    <a:lumMod val="50000"/>
-                  </a:schemeClr>
-                </a:solidFill>
-              </a:rPr>
-              <a:t>::</a:t>
-            </a:r>
-            <a:r>
-              <a:rPr lang="en-US" dirty="0" err="1" smtClean="0">
-                <a:solidFill>
-                  <a:schemeClr val="accent6">
-                    <a:lumMod val="50000"/>
-                  </a:schemeClr>
-                </a:solidFill>
-              </a:rPr>
-              <a:t>cout</a:t>
-            </a:r>
-            <a:r>
-              <a:rPr lang="en-US" dirty="0" smtClean="0">
-                <a:solidFill>
-                  <a:schemeClr val="accent6">
-                    <a:lumMod val="50000"/>
-                  </a:schemeClr>
-                </a:solidFill>
-              </a:rPr>
-              <a:t> &lt;&lt; </a:t>
-            </a:r>
-            <a:r>
-              <a:rPr lang="en-US" dirty="0" smtClean="0">
-                <a:solidFill>
-                  <a:srgbClr val="00B0F0"/>
-                </a:solidFill>
-              </a:rPr>
-              <a:t>type</a:t>
-            </a:r>
-            <a:r>
-              <a:rPr lang="en-US" dirty="0" smtClean="0">
-                <a:solidFill>
-                  <a:schemeClr val="accent6">
-                    <a:lumMod val="50000"/>
-                  </a:schemeClr>
-                </a:solidFill>
-              </a:rPr>
-              <a:t>-&gt;</a:t>
-            </a:r>
-            <a:r>
-              <a:rPr lang="en-US" dirty="0" err="1" smtClean="0">
-                <a:solidFill>
-                  <a:schemeClr val="accent6">
-                    <a:lumMod val="50000"/>
-                  </a:schemeClr>
-                </a:solidFill>
-              </a:rPr>
-              <a:t>m_members</a:t>
-            </a:r>
-            <a:r>
-              <a:rPr lang="en-US" dirty="0" smtClean="0">
-                <a:solidFill>
-                  <a:schemeClr val="accent6">
-                    <a:lumMod val="50000"/>
-                  </a:schemeClr>
-                </a:solidFill>
-              </a:rPr>
-              <a:t>[0].</a:t>
-            </a:r>
-            <a:r>
-              <a:rPr lang="en-US" dirty="0" err="1" smtClean="0">
-                <a:solidFill>
-                  <a:schemeClr val="accent6">
-                    <a:lumMod val="50000"/>
-                  </a:schemeClr>
-                </a:solidFill>
-              </a:rPr>
-              <a:t>m_name</a:t>
-            </a:r>
-            <a:r>
-              <a:rPr lang="en-US" dirty="0" smtClean="0">
-                <a:solidFill>
-                  <a:schemeClr val="accent6">
-                    <a:lumMod val="50000"/>
-                  </a:schemeClr>
-                </a:solidFill>
-              </a:rPr>
-              <a:t>;</a:t>
-            </a:r>
-          </a:p>
-          <a:p>
-            <a:r>
-              <a:rPr lang="en-US" dirty="0" smtClean="0">
-                <a:solidFill>
-                  <a:schemeClr val="accent6">
-                    <a:lumMod val="50000"/>
-                  </a:schemeClr>
-                </a:solidFill>
-              </a:rPr>
-              <a:t>// foo</a:t>
-            </a:r>
-          </a:p>
-          <a:p>
-            <a:endParaRPr lang="en-US" dirty="0">
-              <a:solidFill>
-                <a:schemeClr val="accent6">
-                  <a:lumMod val="50000"/>
-                </a:schemeClr>
-              </a:solidFill>
-            </a:endParaRPr>
-          </a:p>
-          <a:p>
-            <a:r>
-              <a:rPr lang="en-US" dirty="0" err="1" smtClean="0">
-                <a:solidFill>
-                  <a:schemeClr val="accent6">
-                    <a:lumMod val="50000"/>
-                  </a:schemeClr>
-                </a:solidFill>
-              </a:rPr>
-              <a:t>std</a:t>
-            </a:r>
-            <a:r>
-              <a:rPr lang="en-US" dirty="0" smtClean="0">
-                <a:solidFill>
-                  <a:schemeClr val="accent6">
-                    <a:lumMod val="50000"/>
-                  </a:schemeClr>
-                </a:solidFill>
-              </a:rPr>
-              <a:t>::</a:t>
-            </a:r>
-            <a:r>
-              <a:rPr lang="en-US" dirty="0" err="1" smtClean="0">
-                <a:solidFill>
-                  <a:schemeClr val="accent6">
-                    <a:lumMod val="50000"/>
-                  </a:schemeClr>
-                </a:solidFill>
-              </a:rPr>
-              <a:t>cout</a:t>
-            </a:r>
-            <a:r>
-              <a:rPr lang="en-US" dirty="0" smtClean="0">
-                <a:solidFill>
-                  <a:schemeClr val="accent6">
-                    <a:lumMod val="50000"/>
-                  </a:schemeClr>
-                </a:solidFill>
-              </a:rPr>
-              <a:t> &lt;&lt; </a:t>
-            </a:r>
-            <a:r>
-              <a:rPr lang="en-US" dirty="0" smtClean="0">
-                <a:solidFill>
-                  <a:srgbClr val="00B0F0"/>
-                </a:solidFill>
-              </a:rPr>
-              <a:t>type</a:t>
-            </a:r>
-            <a:r>
-              <a:rPr lang="en-US" dirty="0" smtClean="0">
-                <a:solidFill>
-                  <a:schemeClr val="accent6">
-                    <a:lumMod val="50000"/>
-                  </a:schemeClr>
-                </a:solidFill>
-              </a:rPr>
-              <a:t>-&gt;</a:t>
-            </a:r>
-            <a:r>
-              <a:rPr lang="en-US" dirty="0" err="1" smtClean="0">
-                <a:solidFill>
-                  <a:schemeClr val="accent6">
-                    <a:lumMod val="50000"/>
-                  </a:schemeClr>
-                </a:solidFill>
-              </a:rPr>
-              <a:t>m_members</a:t>
-            </a:r>
-            <a:r>
-              <a:rPr lang="en-US" dirty="0" smtClean="0">
-                <a:solidFill>
-                  <a:schemeClr val="accent6">
-                    <a:lumMod val="50000"/>
-                  </a:schemeClr>
-                </a:solidFill>
-              </a:rPr>
-              <a:t>[1].</a:t>
-            </a:r>
-            <a:r>
-              <a:rPr lang="en-US" dirty="0" err="1" smtClean="0">
-                <a:solidFill>
-                  <a:schemeClr val="accent6">
-                    <a:lumMod val="50000"/>
-                  </a:schemeClr>
-                </a:solidFill>
-              </a:rPr>
-              <a:t>m_offset</a:t>
-            </a:r>
-            <a:r>
-              <a:rPr lang="en-US" dirty="0" smtClean="0">
-                <a:solidFill>
-                  <a:schemeClr val="accent6">
-                    <a:lumMod val="50000"/>
-                  </a:schemeClr>
-                </a:solidFill>
-              </a:rPr>
-              <a:t>;</a:t>
-            </a:r>
-          </a:p>
-          <a:p>
-            <a:r>
-              <a:rPr lang="en-US" dirty="0" smtClean="0">
-                <a:solidFill>
-                  <a:schemeClr val="accent6">
-                    <a:lumMod val="50000"/>
-                  </a:schemeClr>
-                </a:solidFill>
-              </a:rPr>
-              <a:t>// 4</a:t>
-            </a:r>
-          </a:p>
-          <a:p>
-            <a:endParaRPr lang="en-US" dirty="0">
-              <a:solidFill>
-                <a:schemeClr val="accent6">
-                  <a:lumMod val="50000"/>
-                </a:schemeClr>
-              </a:solidFill>
-            </a:endParaRPr>
-          </a:p>
-          <a:p>
-            <a:r>
-              <a:rPr lang="en-US" sz="1400" dirty="0" err="1" smtClean="0">
-                <a:solidFill>
-                  <a:schemeClr val="accent6">
-                    <a:lumMod val="50000"/>
-                  </a:schemeClr>
-                </a:solidFill>
-              </a:rPr>
-              <a:t>std</a:t>
-            </a:r>
-            <a:r>
-              <a:rPr lang="en-US" sz="1400" dirty="0" smtClean="0">
-                <a:solidFill>
-                  <a:schemeClr val="accent6">
-                    <a:lumMod val="50000"/>
-                  </a:schemeClr>
-                </a:solidFill>
-              </a:rPr>
-              <a:t>::</a:t>
-            </a:r>
-            <a:r>
-              <a:rPr lang="en-US" sz="1400" dirty="0" err="1" smtClean="0">
-                <a:solidFill>
-                  <a:schemeClr val="accent6">
-                    <a:lumMod val="50000"/>
-                  </a:schemeClr>
-                </a:solidFill>
-              </a:rPr>
-              <a:t>cout</a:t>
-            </a:r>
-            <a:r>
-              <a:rPr lang="en-US" sz="1400" dirty="0" smtClean="0">
-                <a:solidFill>
-                  <a:schemeClr val="accent6">
-                    <a:lumMod val="50000"/>
-                  </a:schemeClr>
-                </a:solidFill>
-              </a:rPr>
-              <a:t> &lt;&lt; </a:t>
-            </a:r>
-            <a:r>
-              <a:rPr lang="en-US" sz="1400" dirty="0" smtClean="0">
-                <a:solidFill>
-                  <a:srgbClr val="00B0F0"/>
-                </a:solidFill>
-              </a:rPr>
-              <a:t>type</a:t>
-            </a:r>
-            <a:r>
-              <a:rPr lang="en-US" sz="1400" dirty="0" smtClean="0">
-                <a:solidFill>
-                  <a:schemeClr val="accent6">
-                    <a:lumMod val="50000"/>
-                  </a:schemeClr>
-                </a:solidFill>
-              </a:rPr>
-              <a:t>-&gt;</a:t>
-            </a:r>
-            <a:r>
-              <a:rPr lang="en-US" sz="1400" dirty="0" err="1" smtClean="0">
-                <a:solidFill>
-                  <a:schemeClr val="accent6">
-                    <a:lumMod val="50000"/>
-                  </a:schemeClr>
-                </a:solidFill>
-              </a:rPr>
-              <a:t>m_members</a:t>
-            </a:r>
-            <a:r>
-              <a:rPr lang="en-US" sz="1400" dirty="0" smtClean="0">
-                <a:solidFill>
-                  <a:schemeClr val="accent6">
-                    <a:lumMod val="50000"/>
-                  </a:schemeClr>
-                </a:solidFill>
-              </a:rPr>
-              <a:t>[2].</a:t>
-            </a:r>
-            <a:r>
-              <a:rPr lang="en-US" sz="1400" dirty="0" err="1" smtClean="0">
-                <a:solidFill>
-                  <a:schemeClr val="accent6">
-                    <a:lumMod val="50000"/>
-                  </a:schemeClr>
-                </a:solidFill>
-              </a:rPr>
-              <a:t>m_type</a:t>
-            </a:r>
-            <a:r>
-              <a:rPr lang="en-US" sz="1400" dirty="0" smtClean="0">
-                <a:solidFill>
-                  <a:schemeClr val="accent6">
-                    <a:lumMod val="50000"/>
-                  </a:schemeClr>
-                </a:solidFill>
-              </a:rPr>
-              <a:t>-&gt;</a:t>
-            </a:r>
-            <a:r>
-              <a:rPr lang="en-US" sz="1400" dirty="0" err="1" smtClean="0">
-                <a:solidFill>
-                  <a:schemeClr val="accent6">
-                    <a:lumMod val="50000"/>
-                  </a:schemeClr>
-                </a:solidFill>
-              </a:rPr>
-              <a:t>m_name</a:t>
-            </a:r>
-            <a:endParaRPr lang="en-US" sz="1400" dirty="0" smtClean="0">
-              <a:solidFill>
-                <a:schemeClr val="accent6">
-                  <a:lumMod val="50000"/>
-                </a:schemeClr>
-              </a:solidFill>
-            </a:endParaRPr>
-          </a:p>
-          <a:p>
-            <a:r>
-              <a:rPr lang="en-US" dirty="0" smtClean="0">
-                <a:solidFill>
-                  <a:schemeClr val="accent6">
-                    <a:lumMod val="50000"/>
-                  </a:schemeClr>
-                </a:solidFill>
-              </a:rPr>
-              <a:t>// </a:t>
-            </a:r>
-            <a:r>
-              <a:rPr lang="en-US" dirty="0" err="1" smtClean="0">
-                <a:solidFill>
-                  <a:schemeClr val="accent6">
-                    <a:lumMod val="50000"/>
-                  </a:schemeClr>
-                </a:solidFill>
-              </a:rPr>
-              <a:t>int</a:t>
-            </a:r>
-            <a:endParaRPr lang="en-US" dirty="0" smtClean="0">
-              <a:solidFill>
-                <a:schemeClr val="accent6">
-                  <a:lumMod val="50000"/>
-                </a:schemeClr>
-              </a:solidFill>
-            </a:endParaRPr>
-          </a:p>
-          <a:p>
-            <a:endParaRPr lang="en-US" dirty="0">
-              <a:solidFill>
-                <a:schemeClr val="accent6">
-                  <a:lumMod val="50000"/>
-                </a:schemeClr>
-              </a:solidFill>
-            </a:endParaRPr>
-          </a:p>
-          <a:p>
-            <a:endParaRPr lang="en-US" dirty="0" smtClean="0">
-              <a:solidFill>
-                <a:schemeClr val="accent6">
-                  <a:lumMod val="50000"/>
-                </a:schemeClr>
-              </a:solidFill>
-            </a:endParaRPr>
-          </a:p>
-          <a:p>
-            <a:r>
-              <a:rPr lang="en-US" dirty="0" smtClean="0">
-                <a:solidFill>
-                  <a:schemeClr val="accent6">
-                    <a:lumMod val="50000"/>
-                  </a:schemeClr>
-                </a:solidFill>
-              </a:rPr>
-              <a:t> </a:t>
-            </a:r>
-            <a:endParaRPr lang="en-US" dirty="0">
-              <a:solidFill>
-                <a:schemeClr val="accent6">
-                  <a:lumMod val="50000"/>
-                </a:schemeClr>
-              </a:solidFill>
-            </a:endParaRPr>
-          </a:p>
-        </p:txBody>
-      </p:sp>
-      <p:sp>
-        <p:nvSpPr>
-          <p:cNvPr id="6" name="TextBox 5"/>
-          <p:cNvSpPr txBox="1"/>
-          <p:nvPr/>
-        </p:nvSpPr>
-        <p:spPr>
-          <a:xfrm>
-            <a:off x="152400" y="1676400"/>
-            <a:ext cx="4038600" cy="4524315"/>
-          </a:xfrm>
-          <a:prstGeom prst="rect">
-            <a:avLst/>
-          </a:prstGeom>
-          <a:noFill/>
-        </p:spPr>
-        <p:txBody>
-          <a:bodyPr wrap="square" rtlCol="0">
-            <a:spAutoFit/>
-          </a:bodyPr>
-          <a:lstStyle/>
-          <a:p>
-            <a:r>
-              <a:rPr lang="en-US" dirty="0" smtClean="0">
-                <a:solidFill>
-                  <a:schemeClr val="accent6">
-                    <a:lumMod val="50000"/>
-                  </a:schemeClr>
-                </a:solidFill>
-              </a:rPr>
-              <a:t>class </a:t>
-            </a:r>
-            <a:r>
-              <a:rPr lang="en-US" dirty="0" err="1" smtClean="0">
-                <a:solidFill>
-                  <a:srgbClr val="00B0F0"/>
-                </a:solidFill>
-              </a:rPr>
-              <a:t>TypeInfo</a:t>
-            </a:r>
-            <a:r>
-              <a:rPr lang="en-US" dirty="0" smtClean="0">
-                <a:solidFill>
-                  <a:srgbClr val="00B0F0"/>
-                </a:solidFill>
-              </a:rPr>
-              <a:t> </a:t>
-            </a:r>
-            <a:r>
-              <a:rPr lang="en-US" dirty="0" smtClean="0">
-                <a:solidFill>
-                  <a:schemeClr val="accent6">
-                    <a:lumMod val="50000"/>
-                  </a:schemeClr>
-                </a:solidFill>
-              </a:rPr>
-              <a:t>{</a:t>
-            </a:r>
-          </a:p>
-          <a:p>
-            <a:r>
-              <a:rPr lang="en-US" dirty="0" smtClean="0">
-                <a:solidFill>
-                  <a:schemeClr val="accent6">
-                    <a:lumMod val="50000"/>
-                  </a:schemeClr>
-                </a:solidFill>
-              </a:rPr>
-              <a:t>public:</a:t>
-            </a:r>
-          </a:p>
-          <a:p>
-            <a:r>
-              <a:rPr lang="en-US" dirty="0">
-                <a:solidFill>
-                  <a:schemeClr val="accent6">
-                    <a:lumMod val="50000"/>
-                  </a:schemeClr>
-                </a:solidFill>
-              </a:rPr>
-              <a:t> </a:t>
-            </a:r>
-            <a:r>
-              <a:rPr lang="en-US" dirty="0" smtClean="0">
-                <a:solidFill>
-                  <a:schemeClr val="accent6">
-                    <a:lumMod val="50000"/>
-                  </a:schemeClr>
-                </a:solidFill>
-              </a:rPr>
-              <a:t> unsigned </a:t>
-            </a:r>
-            <a:r>
-              <a:rPr lang="en-US" dirty="0" err="1" smtClean="0">
-                <a:solidFill>
-                  <a:schemeClr val="accent6">
-                    <a:lumMod val="50000"/>
-                  </a:schemeClr>
-                </a:solidFill>
-              </a:rPr>
-              <a:t>m_size</a:t>
-            </a:r>
-            <a:r>
-              <a:rPr lang="en-US" dirty="0" smtClean="0">
-                <a:solidFill>
-                  <a:schemeClr val="accent6">
-                    <a:lumMod val="50000"/>
-                  </a:schemeClr>
-                </a:solidFill>
-              </a:rPr>
-              <a:t>;</a:t>
-            </a:r>
-          </a:p>
-          <a:p>
-            <a:r>
-              <a:rPr lang="en-US" dirty="0">
-                <a:solidFill>
-                  <a:schemeClr val="accent6">
-                    <a:lumMod val="50000"/>
-                  </a:schemeClr>
-                </a:solidFill>
-              </a:rPr>
-              <a:t> </a:t>
-            </a:r>
-            <a:r>
-              <a:rPr lang="en-US" dirty="0" smtClean="0">
-                <a:solidFill>
-                  <a:schemeClr val="accent6">
-                    <a:lumMod val="50000"/>
-                  </a:schemeClr>
-                </a:solidFill>
-              </a:rPr>
-              <a:t> </a:t>
-            </a:r>
-            <a:r>
-              <a:rPr lang="en-US" dirty="0" err="1" smtClean="0">
-                <a:solidFill>
-                  <a:schemeClr val="accent6">
-                    <a:lumMod val="50000"/>
-                  </a:schemeClr>
-                </a:solidFill>
-              </a:rPr>
-              <a:t>std</a:t>
-            </a:r>
-            <a:r>
-              <a:rPr lang="en-US" dirty="0" smtClean="0">
-                <a:solidFill>
-                  <a:schemeClr val="accent6">
-                    <a:lumMod val="50000"/>
-                  </a:schemeClr>
-                </a:solidFill>
-              </a:rPr>
-              <a:t>::string </a:t>
-            </a:r>
-            <a:r>
-              <a:rPr lang="en-US" dirty="0" err="1" smtClean="0">
-                <a:solidFill>
-                  <a:schemeClr val="accent6">
-                    <a:lumMod val="50000"/>
-                  </a:schemeClr>
-                </a:solidFill>
-              </a:rPr>
-              <a:t>m_name</a:t>
-            </a:r>
-            <a:r>
-              <a:rPr lang="en-US" dirty="0" smtClean="0">
-                <a:solidFill>
-                  <a:schemeClr val="accent6">
-                    <a:lumMod val="50000"/>
-                  </a:schemeClr>
-                </a:solidFill>
-              </a:rPr>
-              <a:t>;</a:t>
-            </a:r>
-          </a:p>
-          <a:p>
-            <a:r>
-              <a:rPr lang="en-US" dirty="0">
-                <a:solidFill>
-                  <a:schemeClr val="accent6">
-                    <a:lumMod val="50000"/>
-                  </a:schemeClr>
-                </a:solidFill>
-              </a:rPr>
-              <a:t> </a:t>
-            </a:r>
-            <a:r>
-              <a:rPr lang="en-US" dirty="0" smtClean="0">
-                <a:solidFill>
-                  <a:schemeClr val="accent6">
-                    <a:lumMod val="50000"/>
-                  </a:schemeClr>
-                </a:solidFill>
-              </a:rPr>
-              <a:t> </a:t>
-            </a:r>
-            <a:r>
-              <a:rPr lang="en-US" dirty="0" err="1" smtClean="0">
-                <a:solidFill>
-                  <a:schemeClr val="accent6">
-                    <a:lumMod val="50000"/>
-                  </a:schemeClr>
-                </a:solidFill>
-              </a:rPr>
-              <a:t>std</a:t>
-            </a:r>
-            <a:r>
-              <a:rPr lang="en-US" dirty="0" smtClean="0">
-                <a:solidFill>
-                  <a:schemeClr val="accent6">
-                    <a:lumMod val="50000"/>
-                  </a:schemeClr>
-                </a:solidFill>
-              </a:rPr>
-              <a:t>::vector&lt;</a:t>
-            </a:r>
-            <a:r>
-              <a:rPr lang="en-US" dirty="0" smtClean="0">
-                <a:solidFill>
-                  <a:srgbClr val="00B050"/>
-                </a:solidFill>
-              </a:rPr>
-              <a:t>Member</a:t>
-            </a:r>
-            <a:r>
-              <a:rPr lang="en-US" dirty="0" smtClean="0">
-                <a:solidFill>
-                  <a:schemeClr val="accent6">
-                    <a:lumMod val="50000"/>
-                  </a:schemeClr>
-                </a:solidFill>
-              </a:rPr>
-              <a:t>&gt; </a:t>
-            </a:r>
-            <a:r>
-              <a:rPr lang="en-US" dirty="0" err="1" smtClean="0">
-                <a:solidFill>
-                  <a:schemeClr val="accent6">
-                    <a:lumMod val="50000"/>
-                  </a:schemeClr>
-                </a:solidFill>
-              </a:rPr>
-              <a:t>m_members</a:t>
-            </a:r>
-            <a:r>
-              <a:rPr lang="en-US" dirty="0" smtClean="0">
-                <a:solidFill>
-                  <a:schemeClr val="accent6">
-                    <a:lumMod val="50000"/>
-                  </a:schemeClr>
-                </a:solidFill>
-              </a:rPr>
-              <a:t>; }</a:t>
-            </a:r>
-          </a:p>
-          <a:p>
-            <a:endParaRPr lang="en-US" dirty="0">
-              <a:solidFill>
-                <a:schemeClr val="accent6">
-                  <a:lumMod val="50000"/>
-                </a:schemeClr>
-              </a:solidFill>
-            </a:endParaRPr>
-          </a:p>
-          <a:p>
-            <a:r>
-              <a:rPr lang="en-US" dirty="0" smtClean="0">
-                <a:solidFill>
-                  <a:schemeClr val="accent6">
-                    <a:lumMod val="50000"/>
-                  </a:schemeClr>
-                </a:solidFill>
-              </a:rPr>
-              <a:t>class </a:t>
-            </a:r>
-            <a:r>
-              <a:rPr lang="en-US" dirty="0" smtClean="0">
-                <a:solidFill>
-                  <a:srgbClr val="FF0000"/>
-                </a:solidFill>
-              </a:rPr>
-              <a:t>Variable </a:t>
-            </a:r>
-            <a:r>
-              <a:rPr lang="en-US" dirty="0" smtClean="0">
-                <a:solidFill>
-                  <a:schemeClr val="accent6">
-                    <a:lumMod val="50000"/>
-                  </a:schemeClr>
-                </a:solidFill>
-              </a:rPr>
-              <a:t>{</a:t>
-            </a:r>
-          </a:p>
-          <a:p>
-            <a:r>
-              <a:rPr lang="en-US" dirty="0" smtClean="0">
-                <a:solidFill>
-                  <a:schemeClr val="accent6">
-                    <a:lumMod val="50000"/>
-                  </a:schemeClr>
-                </a:solidFill>
-              </a:rPr>
-              <a:t>public:</a:t>
-            </a:r>
-          </a:p>
-          <a:p>
-            <a:r>
-              <a:rPr lang="en-US" dirty="0" smtClean="0">
-                <a:solidFill>
-                  <a:schemeClr val="accent6">
-                    <a:lumMod val="50000"/>
-                  </a:schemeClr>
-                </a:solidFill>
-              </a:rPr>
-              <a:t>  </a:t>
-            </a:r>
-            <a:r>
-              <a:rPr lang="en-US" dirty="0" err="1" smtClean="0">
-                <a:solidFill>
-                  <a:schemeClr val="accent6">
-                    <a:lumMod val="50000"/>
-                  </a:schemeClr>
-                </a:solidFill>
-              </a:rPr>
-              <a:t>const</a:t>
-            </a:r>
-            <a:r>
-              <a:rPr lang="en-US" dirty="0" smtClean="0">
-                <a:solidFill>
-                  <a:schemeClr val="accent6">
-                    <a:lumMod val="50000"/>
-                  </a:schemeClr>
-                </a:solidFill>
-              </a:rPr>
-              <a:t> </a:t>
-            </a:r>
-            <a:r>
-              <a:rPr lang="en-US" dirty="0" err="1" smtClean="0">
-                <a:solidFill>
-                  <a:srgbClr val="00B0F0"/>
-                </a:solidFill>
-              </a:rPr>
-              <a:t>TypeInfo</a:t>
-            </a:r>
-            <a:r>
-              <a:rPr lang="en-US" dirty="0" smtClean="0">
-                <a:solidFill>
-                  <a:srgbClr val="00B0F0"/>
-                </a:solidFill>
-              </a:rPr>
-              <a:t>* </a:t>
-            </a:r>
-            <a:r>
-              <a:rPr lang="en-US" dirty="0" err="1" smtClean="0">
-                <a:solidFill>
-                  <a:schemeClr val="accent6">
-                    <a:lumMod val="50000"/>
-                  </a:schemeClr>
-                </a:solidFill>
-              </a:rPr>
-              <a:t>m_type</a:t>
-            </a:r>
-            <a:r>
-              <a:rPr lang="en-US" dirty="0" smtClean="0">
-                <a:solidFill>
-                  <a:schemeClr val="accent6">
-                    <a:lumMod val="50000"/>
-                  </a:schemeClr>
-                </a:solidFill>
-              </a:rPr>
-              <a:t>;</a:t>
-            </a:r>
-          </a:p>
-          <a:p>
-            <a:r>
-              <a:rPr lang="en-US" dirty="0">
-                <a:solidFill>
-                  <a:schemeClr val="accent6">
-                    <a:lumMod val="50000"/>
-                  </a:schemeClr>
-                </a:solidFill>
-              </a:rPr>
-              <a:t> </a:t>
-            </a:r>
-            <a:r>
-              <a:rPr lang="en-US" dirty="0" smtClean="0">
-                <a:solidFill>
-                  <a:schemeClr val="accent6">
-                    <a:lumMod val="50000"/>
-                  </a:schemeClr>
-                </a:solidFill>
-              </a:rPr>
-              <a:t> void* </a:t>
-            </a:r>
-            <a:r>
-              <a:rPr lang="en-US" dirty="0" err="1" smtClean="0">
-                <a:solidFill>
-                  <a:schemeClr val="accent6">
-                    <a:lumMod val="50000"/>
-                  </a:schemeClr>
-                </a:solidFill>
-              </a:rPr>
-              <a:t>m_data</a:t>
-            </a:r>
-            <a:r>
-              <a:rPr lang="en-US" dirty="0" smtClean="0">
-                <a:solidFill>
-                  <a:schemeClr val="accent6">
-                    <a:lumMod val="50000"/>
-                  </a:schemeClr>
-                </a:solidFill>
-              </a:rPr>
-              <a:t>; </a:t>
-            </a:r>
-            <a:r>
-              <a:rPr lang="en-US" sz="1400" dirty="0" smtClean="0">
-                <a:solidFill>
-                  <a:schemeClr val="accent6"/>
-                </a:solidFill>
-              </a:rPr>
-              <a:t>// location in memory </a:t>
-            </a:r>
-            <a:r>
-              <a:rPr lang="en-US" dirty="0" smtClean="0">
-                <a:solidFill>
-                  <a:schemeClr val="accent6">
-                    <a:lumMod val="50000"/>
-                  </a:schemeClr>
-                </a:solidFill>
-              </a:rPr>
-              <a:t>}</a:t>
-            </a:r>
-          </a:p>
-          <a:p>
-            <a:endParaRPr lang="en-US" dirty="0">
-              <a:solidFill>
-                <a:schemeClr val="accent6">
-                  <a:lumMod val="50000"/>
-                </a:schemeClr>
-              </a:solidFill>
-            </a:endParaRPr>
-          </a:p>
-          <a:p>
-            <a:r>
-              <a:rPr lang="en-US" dirty="0" smtClean="0">
-                <a:solidFill>
-                  <a:schemeClr val="accent6">
-                    <a:lumMod val="50000"/>
-                  </a:schemeClr>
-                </a:solidFill>
-              </a:rPr>
-              <a:t>class </a:t>
-            </a:r>
-            <a:r>
-              <a:rPr lang="en-US" dirty="0" smtClean="0">
-                <a:solidFill>
-                  <a:srgbClr val="00B050"/>
-                </a:solidFill>
-              </a:rPr>
-              <a:t>Member</a:t>
-            </a:r>
-            <a:r>
-              <a:rPr lang="en-US" dirty="0" smtClean="0">
-                <a:solidFill>
-                  <a:schemeClr val="accent6">
-                    <a:lumMod val="50000"/>
-                  </a:schemeClr>
-                </a:solidFill>
-              </a:rPr>
-              <a:t> {</a:t>
-            </a:r>
-          </a:p>
-          <a:p>
-            <a:r>
-              <a:rPr lang="en-US" dirty="0" smtClean="0">
-                <a:solidFill>
-                  <a:schemeClr val="accent6">
-                    <a:lumMod val="50000"/>
-                  </a:schemeClr>
-                </a:solidFill>
-              </a:rPr>
-              <a:t>public:</a:t>
-            </a:r>
-          </a:p>
-          <a:p>
-            <a:r>
-              <a:rPr lang="en-US" dirty="0" smtClean="0">
-                <a:solidFill>
-                  <a:schemeClr val="accent6">
-                    <a:lumMod val="50000"/>
-                  </a:schemeClr>
-                </a:solidFill>
-              </a:rPr>
-              <a:t>  </a:t>
-            </a:r>
-            <a:r>
-              <a:rPr lang="en-US" dirty="0" err="1" smtClean="0">
-                <a:solidFill>
-                  <a:schemeClr val="accent6">
-                    <a:lumMod val="50000"/>
-                  </a:schemeClr>
-                </a:solidFill>
-              </a:rPr>
-              <a:t>const</a:t>
-            </a:r>
-            <a:r>
-              <a:rPr lang="en-US" dirty="0" smtClean="0">
-                <a:solidFill>
-                  <a:schemeClr val="accent6">
-                    <a:lumMod val="50000"/>
-                  </a:schemeClr>
-                </a:solidFill>
-              </a:rPr>
-              <a:t> char* </a:t>
-            </a:r>
-            <a:r>
-              <a:rPr lang="en-US" dirty="0" err="1" smtClean="0">
-                <a:solidFill>
-                  <a:schemeClr val="accent6">
-                    <a:lumMod val="50000"/>
-                  </a:schemeClr>
-                </a:solidFill>
-              </a:rPr>
-              <a:t>m_name</a:t>
-            </a:r>
-            <a:r>
-              <a:rPr lang="en-US" dirty="0" smtClean="0">
-                <a:solidFill>
-                  <a:schemeClr val="accent6">
-                    <a:lumMod val="50000"/>
-                  </a:schemeClr>
-                </a:solidFill>
-              </a:rPr>
-              <a:t>;</a:t>
-            </a:r>
-          </a:p>
-          <a:p>
-            <a:r>
-              <a:rPr lang="en-US" dirty="0">
-                <a:solidFill>
-                  <a:schemeClr val="accent6">
-                    <a:lumMod val="50000"/>
-                  </a:schemeClr>
-                </a:solidFill>
-              </a:rPr>
-              <a:t> </a:t>
-            </a:r>
-            <a:r>
-              <a:rPr lang="en-US" dirty="0" smtClean="0">
-                <a:solidFill>
-                  <a:schemeClr val="accent6">
-                    <a:lumMod val="50000"/>
-                  </a:schemeClr>
-                </a:solidFill>
-              </a:rPr>
-              <a:t> unsigned </a:t>
-            </a:r>
-            <a:r>
-              <a:rPr lang="en-US" dirty="0" err="1" smtClean="0">
-                <a:solidFill>
-                  <a:schemeClr val="accent6">
-                    <a:lumMod val="50000"/>
-                  </a:schemeClr>
-                </a:solidFill>
-              </a:rPr>
-              <a:t>m_offset</a:t>
-            </a:r>
-            <a:r>
-              <a:rPr lang="en-US" dirty="0" smtClean="0">
-                <a:solidFill>
-                  <a:schemeClr val="accent6">
-                    <a:lumMod val="50000"/>
-                  </a:schemeClr>
-                </a:solidFill>
-              </a:rPr>
-              <a:t>;</a:t>
-            </a:r>
-          </a:p>
-          <a:p>
-            <a:r>
-              <a:rPr lang="en-US" dirty="0" smtClean="0">
-                <a:solidFill>
-                  <a:schemeClr val="accent6">
-                    <a:lumMod val="50000"/>
-                  </a:schemeClr>
-                </a:solidFill>
-              </a:rPr>
-              <a:t>  </a:t>
-            </a:r>
-            <a:r>
-              <a:rPr lang="en-US" dirty="0" err="1" smtClean="0">
-                <a:solidFill>
-                  <a:schemeClr val="accent6">
-                    <a:lumMod val="50000"/>
-                  </a:schemeClr>
-                </a:solidFill>
-              </a:rPr>
-              <a:t>const</a:t>
-            </a:r>
-            <a:r>
-              <a:rPr lang="en-US" dirty="0" smtClean="0">
-                <a:solidFill>
-                  <a:schemeClr val="accent6">
-                    <a:lumMod val="50000"/>
-                  </a:schemeClr>
-                </a:solidFill>
-              </a:rPr>
-              <a:t> </a:t>
-            </a:r>
-            <a:r>
-              <a:rPr lang="en-US" dirty="0" err="1" smtClean="0">
-                <a:solidFill>
-                  <a:srgbClr val="00B0F0"/>
-                </a:solidFill>
-              </a:rPr>
-              <a:t>TypeInfo</a:t>
-            </a:r>
-            <a:r>
-              <a:rPr lang="en-US" dirty="0" smtClean="0">
-                <a:solidFill>
-                  <a:srgbClr val="00B0F0"/>
-                </a:solidFill>
-              </a:rPr>
-              <a:t>*</a:t>
-            </a:r>
-            <a:r>
-              <a:rPr lang="en-US" dirty="0" smtClean="0">
-                <a:solidFill>
-                  <a:schemeClr val="accent6">
-                    <a:lumMod val="50000"/>
-                  </a:schemeClr>
-                </a:solidFill>
-              </a:rPr>
-              <a:t> </a:t>
-            </a:r>
-            <a:r>
-              <a:rPr lang="en-US" dirty="0" err="1" smtClean="0">
-                <a:solidFill>
-                  <a:schemeClr val="accent6">
-                    <a:lumMod val="50000"/>
-                  </a:schemeClr>
-                </a:solidFill>
-              </a:rPr>
-              <a:t>m_type</a:t>
-            </a:r>
-            <a:r>
-              <a:rPr lang="en-US" dirty="0" smtClean="0">
-                <a:solidFill>
-                  <a:schemeClr val="accent6">
-                    <a:lumMod val="50000"/>
-                  </a:schemeClr>
-                </a:solidFill>
-              </a:rPr>
-              <a:t>; }</a:t>
-            </a:r>
-            <a:endParaRPr lang="en-US" dirty="0">
-              <a:solidFill>
-                <a:schemeClr val="accent6">
-                  <a:lumMod val="50000"/>
-                </a:schemeClr>
-              </a:solidFill>
-            </a:endParaRPr>
+            <a:endParaRPr lang="en-US"/>
           </a:p>
         </p:txBody>
       </p:sp>
     </p:spTree>
     <p:extLst>
       <p:ext uri="{BB962C8B-B14F-4D97-AF65-F5344CB8AC3E}">
-        <p14:creationId xmlns:p14="http://schemas.microsoft.com/office/powerpoint/2010/main" val="3331443829"/>
+        <p14:creationId xmlns:p14="http://schemas.microsoft.com/office/powerpoint/2010/main" val="2533016523"/>
       </p:ext>
     </p:extLst>
   </p:cSld>
